--- a/计算机组成原理第一次创新作业.pptx
+++ b/计算机组成原理第一次创新作业.pptx
@@ -5,27 +5,27 @@
     <p:sldMasterId id="2147483648" r:id="rId1"/>
   </p:sldMasterIdLst>
   <p:notesMasterIdLst>
-    <p:notesMasterId r:id="rId21"/>
+    <p:notesMasterId r:id="rId4"/>
   </p:notesMasterIdLst>
   <p:sldIdLst>
     <p:sldId id="256" r:id="rId3"/>
-    <p:sldId id="294" r:id="rId4"/>
-    <p:sldId id="296" r:id="rId5"/>
-    <p:sldId id="308" r:id="rId6"/>
-    <p:sldId id="276" r:id="rId7"/>
-    <p:sldId id="299" r:id="rId8"/>
-    <p:sldId id="300" r:id="rId9"/>
-    <p:sldId id="301" r:id="rId10"/>
-    <p:sldId id="303" r:id="rId11"/>
-    <p:sldId id="304" r:id="rId12"/>
-    <p:sldId id="307" r:id="rId13"/>
-    <p:sldId id="297" r:id="rId14"/>
-    <p:sldId id="309" r:id="rId15"/>
-    <p:sldId id="305" r:id="rId16"/>
-    <p:sldId id="306" r:id="rId17"/>
-    <p:sldId id="295" r:id="rId18"/>
-    <p:sldId id="311" r:id="rId19"/>
-    <p:sldId id="310" r:id="rId20"/>
+    <p:sldId id="294" r:id="rId5"/>
+    <p:sldId id="296" r:id="rId6"/>
+    <p:sldId id="313" r:id="rId7"/>
+    <p:sldId id="276" r:id="rId8"/>
+    <p:sldId id="299" r:id="rId9"/>
+    <p:sldId id="300" r:id="rId10"/>
+    <p:sldId id="301" r:id="rId11"/>
+    <p:sldId id="303" r:id="rId12"/>
+    <p:sldId id="304" r:id="rId13"/>
+    <p:sldId id="307" r:id="rId14"/>
+    <p:sldId id="297" r:id="rId15"/>
+    <p:sldId id="309" r:id="rId16"/>
+    <p:sldId id="305" r:id="rId17"/>
+    <p:sldId id="306" r:id="rId18"/>
+    <p:sldId id="295" r:id="rId19"/>
+    <p:sldId id="311" r:id="rId20"/>
+    <p:sldId id="310" r:id="rId21"/>
   </p:sldIdLst>
   <p:sldSz cx="12192000" cy="6858000"/>
   <p:notesSz cx="6858000" cy="9144000"/>
@@ -472,6 +472,1251 @@
     </a:lvl9pPr>
   </p:notesStyle>
 </p:notesMaster>
+</file>
+
+<file path=ppt/notesSlides/notesSlide1.xml><?xml version="1.0" encoding="utf-8"?>
+<p:notes xmlns:a="http://schemas.openxmlformats.org/drawingml/2006/main" xmlns:r="http://schemas.openxmlformats.org/officeDocument/2006/relationships" xmlns:p="http://schemas.openxmlformats.org/presentationml/2006/main">
+  <p:cSld>
+    <p:spTree>
+      <p:nvGrpSpPr>
+        <p:cNvPr id="1" name=""/>
+        <p:cNvGrpSpPr/>
+        <p:nvPr/>
+      </p:nvGrpSpPr>
+      <p:grpSpPr/>
+      <p:sp>
+        <p:nvSpPr>
+          <p:cNvPr id="2" name="幻灯片图像占位符 1"/>
+          <p:cNvSpPr>
+            <a:spLocks noGrp="1"/>
+          </p:cNvSpPr>
+          <p:nvPr>
+            <p:ph type="sldImg" idx="2"/>
+          </p:nvPr>
+        </p:nvSpPr>
+        <p:spPr/>
+      </p:sp>
+      <p:sp>
+        <p:nvSpPr>
+          <p:cNvPr id="3" name="文本占位符 2"/>
+          <p:cNvSpPr>
+            <a:spLocks noGrp="1"/>
+          </p:cNvSpPr>
+          <p:nvPr>
+            <p:ph type="body" idx="3"/>
+          </p:nvPr>
+        </p:nvSpPr>
+        <p:spPr/>
+        <p:txBody>
+          <a:bodyPr/>
+          <a:p>
+            <a:r>
+              <a:rPr lang="zh-CN" altLang="en-US"/>
+              <a:t>老师和同学们好，我是章壹程，我代表我们小组来介绍我们创新作业一的</a:t>
+            </a:r>
+            <a:r>
+              <a:rPr lang="zh-CN" altLang="en-US"/>
+              <a:t>工作</a:t>
+            </a:r>
+            <a:endParaRPr lang="zh-CN" altLang="en-US"/>
+          </a:p>
+        </p:txBody>
+      </p:sp>
+    </p:spTree>
+  </p:cSld>
+  <p:clrMapOvr>
+    <a:masterClrMapping/>
+  </p:clrMapOvr>
+</p:notes>
+</file>
+
+<file path=ppt/notesSlides/notesSlide10.xml><?xml version="1.0" encoding="utf-8"?>
+<p:notes xmlns:a="http://schemas.openxmlformats.org/drawingml/2006/main" xmlns:r="http://schemas.openxmlformats.org/officeDocument/2006/relationships" xmlns:p="http://schemas.openxmlformats.org/presentationml/2006/main">
+  <p:cSld>
+    <p:spTree>
+      <p:nvGrpSpPr>
+        <p:cNvPr id="1" name=""/>
+        <p:cNvGrpSpPr/>
+        <p:nvPr/>
+      </p:nvGrpSpPr>
+      <p:grpSpPr/>
+      <p:sp>
+        <p:nvSpPr>
+          <p:cNvPr id="2" name="幻灯片图像占位符 1"/>
+          <p:cNvSpPr>
+            <a:spLocks noGrp="1"/>
+          </p:cNvSpPr>
+          <p:nvPr>
+            <p:ph type="sldImg" idx="2"/>
+          </p:nvPr>
+        </p:nvSpPr>
+        <p:spPr/>
+      </p:sp>
+      <p:sp>
+        <p:nvSpPr>
+          <p:cNvPr id="3" name="文本占位符 2"/>
+          <p:cNvSpPr>
+            <a:spLocks noGrp="1"/>
+          </p:cNvSpPr>
+          <p:nvPr>
+            <p:ph type="body" idx="3"/>
+          </p:nvPr>
+        </p:nvSpPr>
+        <p:spPr/>
+        <p:txBody>
+          <a:bodyPr/>
+          <a:p>
+            <a:r>
+              <a:rPr lang="zh-CN" altLang="en-US"/>
+              <a:t>这是实验的结果，我们使用四种模型分别生成代码绘制雷达图来体现模型的可视化代码生成能力。然后</a:t>
+            </a:r>
+            <a:r>
+              <a:rPr lang="zh-CN" altLang="en-US"/>
+              <a:t>开念</a:t>
+            </a:r>
+            <a:endParaRPr lang="zh-CN" altLang="en-US"/>
+          </a:p>
+        </p:txBody>
+      </p:sp>
+    </p:spTree>
+  </p:cSld>
+  <p:clrMapOvr>
+    <a:masterClrMapping/>
+  </p:clrMapOvr>
+</p:notes>
+</file>
+
+<file path=ppt/notesSlides/notesSlide11.xml><?xml version="1.0" encoding="utf-8"?>
+<p:notes xmlns:a="http://schemas.openxmlformats.org/drawingml/2006/main" xmlns:r="http://schemas.openxmlformats.org/officeDocument/2006/relationships" xmlns:p="http://schemas.openxmlformats.org/presentationml/2006/main">
+  <p:cSld>
+    <p:spTree>
+      <p:nvGrpSpPr>
+        <p:cNvPr id="1" name=""/>
+        <p:cNvGrpSpPr/>
+        <p:nvPr/>
+      </p:nvGrpSpPr>
+      <p:grpSpPr/>
+      <p:sp>
+        <p:nvSpPr>
+          <p:cNvPr id="2" name="幻灯片图像占位符 1"/>
+          <p:cNvSpPr>
+            <a:spLocks noGrp="1"/>
+          </p:cNvSpPr>
+          <p:nvPr>
+            <p:ph type="sldImg" idx="2"/>
+          </p:nvPr>
+        </p:nvSpPr>
+        <p:spPr/>
+      </p:sp>
+      <p:sp>
+        <p:nvSpPr>
+          <p:cNvPr id="3" name="文本占位符 2"/>
+          <p:cNvSpPr>
+            <a:spLocks noGrp="1"/>
+          </p:cNvSpPr>
+          <p:nvPr>
+            <p:ph type="body" idx="3"/>
+          </p:nvPr>
+        </p:nvSpPr>
+        <p:spPr/>
+        <p:txBody>
+          <a:bodyPr/>
+          <a:p>
+            <a:r>
+              <a:rPr lang="zh-CN" altLang="en-US"/>
+              <a:t>这是在</a:t>
+            </a:r>
+            <a:r>
+              <a:rPr lang="en-US" altLang="zh-CN"/>
+              <a:t>ICPC</a:t>
+            </a:r>
+            <a:r>
+              <a:rPr lang="zh-CN" altLang="en-US"/>
+              <a:t>比赛上的结果，我们利用如这里所示的规则计算出了大模型的罚时，并利用当时的比赛结果进行了排名，可以发现模型的能力目前还是没有超过我的，但是</a:t>
+            </a:r>
+            <a:r>
+              <a:rPr lang="zh-CN" altLang="en-US"/>
+              <a:t>大模型还是未来可期，假以时日</a:t>
+            </a:r>
+            <a:r>
+              <a:rPr lang="zh-CN" altLang="en-US"/>
+              <a:t>定能把我优化</a:t>
+            </a:r>
+            <a:r>
+              <a:rPr lang="zh-CN" altLang="en-US"/>
+              <a:t>了</a:t>
+            </a:r>
+            <a:endParaRPr lang="zh-CN" altLang="en-US"/>
+          </a:p>
+        </p:txBody>
+      </p:sp>
+    </p:spTree>
+  </p:cSld>
+  <p:clrMapOvr>
+    <a:masterClrMapping/>
+  </p:clrMapOvr>
+</p:notes>
+</file>
+
+<file path=ppt/notesSlides/notesSlide12.xml><?xml version="1.0" encoding="utf-8"?>
+<p:notes xmlns:a="http://schemas.openxmlformats.org/drawingml/2006/main" xmlns:r="http://schemas.openxmlformats.org/officeDocument/2006/relationships" xmlns:p="http://schemas.openxmlformats.org/presentationml/2006/main">
+  <p:cSld>
+    <p:spTree>
+      <p:nvGrpSpPr>
+        <p:cNvPr id="1" name=""/>
+        <p:cNvGrpSpPr/>
+        <p:nvPr/>
+      </p:nvGrpSpPr>
+      <p:grpSpPr/>
+      <p:sp>
+        <p:nvSpPr>
+          <p:cNvPr id="2" name="幻灯片图像占位符 1"/>
+          <p:cNvSpPr>
+            <a:spLocks noGrp="1"/>
+          </p:cNvSpPr>
+          <p:nvPr>
+            <p:ph type="sldImg" idx="2"/>
+          </p:nvPr>
+        </p:nvSpPr>
+        <p:spPr/>
+      </p:sp>
+      <p:sp>
+        <p:nvSpPr>
+          <p:cNvPr id="3" name="文本占位符 2"/>
+          <p:cNvSpPr>
+            <a:spLocks noGrp="1"/>
+          </p:cNvSpPr>
+          <p:nvPr>
+            <p:ph type="body" idx="3"/>
+          </p:nvPr>
+        </p:nvSpPr>
+        <p:spPr/>
+        <p:txBody>
+          <a:bodyPr/>
+          <a:p>
+            <a:r>
+              <a:rPr lang="zh-CN" altLang="en-US"/>
+              <a:t>这是</a:t>
+            </a:r>
+            <a:r>
+              <a:rPr lang="en-US" altLang="zh-CN"/>
+              <a:t>DeepSeek-V3</a:t>
+            </a:r>
+            <a:r>
+              <a:rPr lang="zh-CN" altLang="en-US"/>
+              <a:t>的评测成本，</a:t>
+            </a:r>
+            <a:r>
+              <a:rPr lang="en-US" altLang="zh-CN"/>
+              <a:t>2</a:t>
+            </a:r>
+            <a:r>
+              <a:rPr lang="zh-CN" altLang="en-US"/>
+              <a:t>百七十万</a:t>
+            </a:r>
+            <a:r>
+              <a:rPr lang="en-US" altLang="zh-CN"/>
+              <a:t> H800GPU</a:t>
+            </a:r>
+            <a:r>
+              <a:rPr lang="zh-CN" altLang="en-US"/>
+              <a:t>小时</a:t>
+            </a:r>
+            <a:r>
+              <a:rPr lang="en-US" altLang="zh-CN"/>
+              <a:t> </a:t>
+            </a:r>
+            <a:r>
+              <a:rPr lang="zh-CN" altLang="en-US"/>
+              <a:t>，</a:t>
+            </a:r>
+            <a:r>
+              <a:rPr lang="en-US" altLang="zh-CN"/>
+              <a:t>5</a:t>
+            </a:r>
+            <a:r>
+              <a:rPr lang="zh-CN" altLang="en-US"/>
+              <a:t>百六十万的成本，</a:t>
+            </a:r>
+            <a:r>
+              <a:rPr lang="en-US" altLang="zh-CN"/>
+              <a:t>MFU</a:t>
+            </a:r>
+            <a:r>
+              <a:rPr lang="zh-CN" altLang="en-US"/>
+              <a:t>高达</a:t>
+            </a:r>
+            <a:r>
+              <a:rPr lang="en-US" altLang="zh-CN"/>
+              <a:t>39.4%</a:t>
+            </a:r>
+            <a:endParaRPr lang="en-US" altLang="zh-CN"/>
+          </a:p>
+        </p:txBody>
+      </p:sp>
+    </p:spTree>
+  </p:cSld>
+  <p:clrMapOvr>
+    <a:masterClrMapping/>
+  </p:clrMapOvr>
+</p:notes>
+</file>
+
+<file path=ppt/notesSlides/notesSlide13.xml><?xml version="1.0" encoding="utf-8"?>
+<p:notes xmlns:a="http://schemas.openxmlformats.org/drawingml/2006/main" xmlns:r="http://schemas.openxmlformats.org/officeDocument/2006/relationships" xmlns:p="http://schemas.openxmlformats.org/presentationml/2006/main">
+  <p:cSld>
+    <p:spTree>
+      <p:nvGrpSpPr>
+        <p:cNvPr id="1" name=""/>
+        <p:cNvGrpSpPr/>
+        <p:nvPr/>
+      </p:nvGrpSpPr>
+      <p:grpSpPr/>
+      <p:sp>
+        <p:nvSpPr>
+          <p:cNvPr id="2" name="幻灯片图像占位符 1"/>
+          <p:cNvSpPr>
+            <a:spLocks noGrp="1"/>
+          </p:cNvSpPr>
+          <p:nvPr>
+            <p:ph type="sldImg" idx="2"/>
+          </p:nvPr>
+        </p:nvSpPr>
+        <p:spPr/>
+      </p:sp>
+      <p:sp>
+        <p:nvSpPr>
+          <p:cNvPr id="3" name="文本占位符 2"/>
+          <p:cNvSpPr>
+            <a:spLocks noGrp="1"/>
+          </p:cNvSpPr>
+          <p:nvPr>
+            <p:ph type="body" idx="3"/>
+          </p:nvPr>
+        </p:nvSpPr>
+        <p:spPr/>
+        <p:txBody>
+          <a:bodyPr/>
+          <a:p>
+            <a:r>
+              <a:rPr lang="en-US" altLang="zh-CN"/>
+              <a:t>DeepSeek</a:t>
+            </a:r>
+            <a:r>
+              <a:rPr lang="zh-CN" altLang="en-US"/>
+              <a:t>的日成本为</a:t>
+            </a:r>
+            <a:r>
+              <a:rPr lang="en-US" altLang="zh-CN"/>
+              <a:t>87072</a:t>
+            </a:r>
+            <a:r>
+              <a:rPr lang="zh-CN" altLang="en-US"/>
+              <a:t>美元</a:t>
+            </a:r>
+            <a:r>
+              <a:rPr lang="en-US" altLang="zh-CN"/>
+              <a:t>/</a:t>
+            </a:r>
+            <a:r>
+              <a:rPr lang="zh-CN" altLang="en-US"/>
+              <a:t>天如果根据每台</a:t>
+            </a:r>
+            <a:r>
+              <a:rPr lang="en-US" altLang="zh-CN"/>
+              <a:t>H800</a:t>
+            </a:r>
+            <a:r>
+              <a:rPr lang="zh-CN" altLang="en-US"/>
+              <a:t>的吞吐量数据来算的话，每百万输入输出</a:t>
+            </a:r>
+            <a:r>
+              <a:rPr lang="en-US" altLang="zh-CN"/>
+              <a:t>tokens</a:t>
+            </a:r>
+            <a:r>
+              <a:rPr lang="zh-CN" altLang="en-US"/>
+              <a:t>的成本在</a:t>
+            </a:r>
+            <a:r>
+              <a:rPr lang="en-US" altLang="zh-CN"/>
+              <a:t>4</a:t>
+            </a:r>
+            <a:r>
+              <a:rPr lang="zh-CN" altLang="en-US"/>
+              <a:t>分钱左右，成本还是</a:t>
+            </a:r>
+            <a:r>
+              <a:rPr lang="zh-CN" altLang="en-US"/>
+              <a:t>很低的。</a:t>
+            </a:r>
+            <a:endParaRPr lang="zh-CN" altLang="en-US"/>
+          </a:p>
+        </p:txBody>
+      </p:sp>
+    </p:spTree>
+  </p:cSld>
+  <p:clrMapOvr>
+    <a:masterClrMapping/>
+  </p:clrMapOvr>
+</p:notes>
+</file>
+
+<file path=ppt/notesSlides/notesSlide14.xml><?xml version="1.0" encoding="utf-8"?>
+<p:notes xmlns:a="http://schemas.openxmlformats.org/drawingml/2006/main" xmlns:r="http://schemas.openxmlformats.org/officeDocument/2006/relationships" xmlns:p="http://schemas.openxmlformats.org/presentationml/2006/main">
+  <p:cSld>
+    <p:spTree>
+      <p:nvGrpSpPr>
+        <p:cNvPr id="1" name=""/>
+        <p:cNvGrpSpPr/>
+        <p:nvPr/>
+      </p:nvGrpSpPr>
+      <p:grpSpPr/>
+      <p:sp>
+        <p:nvSpPr>
+          <p:cNvPr id="2" name="幻灯片图像占位符 1"/>
+          <p:cNvSpPr>
+            <a:spLocks noGrp="1"/>
+          </p:cNvSpPr>
+          <p:nvPr>
+            <p:ph type="sldImg" idx="2"/>
+          </p:nvPr>
+        </p:nvSpPr>
+        <p:spPr/>
+      </p:sp>
+      <p:sp>
+        <p:nvSpPr>
+          <p:cNvPr id="3" name="文本占位符 2"/>
+          <p:cNvSpPr>
+            <a:spLocks noGrp="1"/>
+          </p:cNvSpPr>
+          <p:nvPr>
+            <p:ph type="body" idx="3"/>
+          </p:nvPr>
+        </p:nvSpPr>
+        <p:spPr/>
+        <p:txBody>
+          <a:bodyPr/>
+          <a:p>
+            <a:r>
+              <a:rPr lang="zh-CN" altLang="en-US"/>
+              <a:t>我们的优化针对朴素大模型，因为如</a:t>
+            </a:r>
+            <a:r>
+              <a:rPr lang="en-US" altLang="zh-CN"/>
+              <a:t>DeepSeek</a:t>
+            </a:r>
+            <a:r>
+              <a:rPr lang="zh-CN" altLang="en-US"/>
+              <a:t>之类的模型已经有自己成熟的</a:t>
+            </a:r>
+            <a:r>
+              <a:rPr lang="en-US" altLang="zh-CN"/>
+              <a:t>GPU</a:t>
+            </a:r>
+            <a:r>
+              <a:rPr lang="zh-CN" altLang="en-US"/>
+              <a:t>架构并行优化方案，而我设计的是另一种方案。对于传统的大模型训练，每过</a:t>
+            </a:r>
+            <a:r>
+              <a:rPr lang="en-US" altLang="zh-CN"/>
+              <a:t>batchsize</a:t>
+            </a:r>
+            <a:r>
+              <a:rPr lang="zh-CN" altLang="en-US"/>
+              <a:t>次数的前向传播才会进行一次后向传播，而任务会被均分到每一个</a:t>
+            </a:r>
+            <a:r>
+              <a:rPr lang="en-US" altLang="zh-CN"/>
+              <a:t>GPU</a:t>
+            </a:r>
+            <a:r>
+              <a:rPr lang="zh-CN" altLang="en-US"/>
+              <a:t>，但是对于大语言模型来说由于输出</a:t>
+            </a:r>
+            <a:r>
+              <a:rPr lang="en-US" altLang="zh-CN"/>
+              <a:t>token</a:t>
+            </a:r>
+            <a:r>
+              <a:rPr lang="zh-CN" altLang="en-US"/>
+              <a:t>的差异可能很大导致不同任务时长差距可能很大，根据我训练大模型的经验很容易发生短板效应一个线程总任务时长很长导致其它线程等待严重浪费训练时间。我们希望有一种合适的分配方法让各个</a:t>
+            </a:r>
+            <a:r>
+              <a:rPr lang="en-US" altLang="zh-CN"/>
+              <a:t>GPU</a:t>
+            </a:r>
+            <a:r>
+              <a:rPr lang="zh-CN" altLang="en-US"/>
+              <a:t>的任务总时长尽可能均衡。</a:t>
+            </a:r>
+            <a:endParaRPr lang="zh-CN" altLang="en-US"/>
+          </a:p>
+        </p:txBody>
+      </p:sp>
+    </p:spTree>
+  </p:cSld>
+  <p:clrMapOvr>
+    <a:masterClrMapping/>
+  </p:clrMapOvr>
+</p:notes>
+</file>
+
+<file path=ppt/notesSlides/notesSlide15.xml><?xml version="1.0" encoding="utf-8"?>
+<p:notes xmlns:a="http://schemas.openxmlformats.org/drawingml/2006/main" xmlns:r="http://schemas.openxmlformats.org/officeDocument/2006/relationships" xmlns:p="http://schemas.openxmlformats.org/presentationml/2006/main">
+  <p:cSld>
+    <p:spTree>
+      <p:nvGrpSpPr>
+        <p:cNvPr id="1" name=""/>
+        <p:cNvGrpSpPr/>
+        <p:nvPr/>
+      </p:nvGrpSpPr>
+      <p:grpSpPr/>
+      <p:sp>
+        <p:nvSpPr>
+          <p:cNvPr id="2" name="幻灯片图像占位符 1"/>
+          <p:cNvSpPr>
+            <a:spLocks noGrp="1"/>
+          </p:cNvSpPr>
+          <p:nvPr>
+            <p:ph type="sldImg" idx="2"/>
+          </p:nvPr>
+        </p:nvSpPr>
+        <p:spPr/>
+      </p:sp>
+      <p:sp>
+        <p:nvSpPr>
+          <p:cNvPr id="3" name="文本占位符 2"/>
+          <p:cNvSpPr>
+            <a:spLocks noGrp="1"/>
+          </p:cNvSpPr>
+          <p:nvPr>
+            <p:ph type="body" idx="3"/>
+          </p:nvPr>
+        </p:nvSpPr>
+        <p:spPr/>
+        <p:txBody>
+          <a:bodyPr/>
+          <a:p>
+            <a:r>
+              <a:rPr lang="zh-CN" altLang="en-US"/>
+              <a:t>因此我设想了一个远小于大语言模型规模的预测模型，通过输入问题预测大语言模型输出的</a:t>
+            </a:r>
+            <a:r>
+              <a:rPr lang="en-US" altLang="zh-CN"/>
+              <a:t>token</a:t>
+            </a:r>
+            <a:r>
+              <a:rPr lang="zh-CN" altLang="en-US"/>
+              <a:t>数量或直接预测任务所需时间，再通过这些信息分配任务给不同</a:t>
+            </a:r>
+            <a:r>
+              <a:rPr lang="en-US" altLang="zh-CN"/>
+              <a:t>GPU</a:t>
+            </a:r>
+            <a:r>
+              <a:rPr lang="zh-CN" altLang="en-US"/>
+              <a:t>线程。虽然任务分配是</a:t>
+            </a:r>
+            <a:r>
+              <a:rPr lang="en-US" altLang="zh-CN"/>
+              <a:t>NP</a:t>
+            </a:r>
+            <a:r>
+              <a:rPr lang="zh-CN" altLang="en-US"/>
+              <a:t>的但通过一些贪心手段可以做到不错的效果。同时预测模型的数据集直接来自于大模型可以同步</a:t>
+            </a:r>
+            <a:r>
+              <a:rPr lang="zh-CN" altLang="en-US"/>
+              <a:t>训练。</a:t>
+            </a:r>
+            <a:endParaRPr lang="zh-CN" altLang="en-US"/>
+          </a:p>
+        </p:txBody>
+      </p:sp>
+    </p:spTree>
+  </p:cSld>
+  <p:clrMapOvr>
+    <a:masterClrMapping/>
+  </p:clrMapOvr>
+</p:notes>
+</file>
+
+<file path=ppt/notesSlides/notesSlide16.xml><?xml version="1.0" encoding="utf-8"?>
+<p:notes xmlns:a="http://schemas.openxmlformats.org/drawingml/2006/main" xmlns:r="http://schemas.openxmlformats.org/officeDocument/2006/relationships" xmlns:p="http://schemas.openxmlformats.org/presentationml/2006/main">
+  <p:cSld>
+    <p:spTree>
+      <p:nvGrpSpPr>
+        <p:cNvPr id="1" name=""/>
+        <p:cNvGrpSpPr/>
+        <p:nvPr/>
+      </p:nvGrpSpPr>
+      <p:grpSpPr/>
+      <p:sp>
+        <p:nvSpPr>
+          <p:cNvPr id="2" name="幻灯片图像占位符 1"/>
+          <p:cNvSpPr>
+            <a:spLocks noGrp="1"/>
+          </p:cNvSpPr>
+          <p:nvPr>
+            <p:ph type="sldImg" idx="2"/>
+          </p:nvPr>
+        </p:nvSpPr>
+        <p:spPr/>
+      </p:sp>
+      <p:sp>
+        <p:nvSpPr>
+          <p:cNvPr id="3" name="文本占位符 2"/>
+          <p:cNvSpPr>
+            <a:spLocks noGrp="1"/>
+          </p:cNvSpPr>
+          <p:nvPr>
+            <p:ph type="body" idx="3"/>
+          </p:nvPr>
+        </p:nvSpPr>
+        <p:spPr/>
+        <p:txBody>
+          <a:bodyPr/>
+          <a:p>
+            <a:r>
+              <a:rPr lang="zh-CN" altLang="en-US"/>
+              <a:t>这是我们的小组</a:t>
+            </a:r>
+            <a:r>
+              <a:rPr lang="zh-CN" altLang="en-US"/>
+              <a:t>分工</a:t>
+            </a:r>
+            <a:endParaRPr lang="zh-CN" altLang="en-US"/>
+          </a:p>
+        </p:txBody>
+      </p:sp>
+    </p:spTree>
+  </p:cSld>
+  <p:clrMapOvr>
+    <a:masterClrMapping/>
+  </p:clrMapOvr>
+</p:notes>
+</file>
+
+<file path=ppt/notesSlides/notesSlide17.xml><?xml version="1.0" encoding="utf-8"?>
+<p:notes xmlns:a="http://schemas.openxmlformats.org/drawingml/2006/main" xmlns:r="http://schemas.openxmlformats.org/officeDocument/2006/relationships" xmlns:p="http://schemas.openxmlformats.org/presentationml/2006/main">
+  <p:cSld>
+    <p:spTree>
+      <p:nvGrpSpPr>
+        <p:cNvPr id="1" name=""/>
+        <p:cNvGrpSpPr/>
+        <p:nvPr/>
+      </p:nvGrpSpPr>
+      <p:grpSpPr/>
+      <p:sp>
+        <p:nvSpPr>
+          <p:cNvPr id="2" name="幻灯片图像占位符 1"/>
+          <p:cNvSpPr>
+            <a:spLocks noGrp="1"/>
+          </p:cNvSpPr>
+          <p:nvPr>
+            <p:ph type="sldImg" idx="2"/>
+          </p:nvPr>
+        </p:nvSpPr>
+        <p:spPr/>
+      </p:sp>
+      <p:sp>
+        <p:nvSpPr>
+          <p:cNvPr id="3" name="文本占位符 2"/>
+          <p:cNvSpPr>
+            <a:spLocks noGrp="1"/>
+          </p:cNvSpPr>
+          <p:nvPr>
+            <p:ph type="body" idx="3"/>
+          </p:nvPr>
+        </p:nvSpPr>
+        <p:spPr/>
+        <p:txBody>
+          <a:bodyPr/>
+          <a:p>
+            <a:r>
+              <a:rPr lang="zh-CN" altLang="en-US"/>
+              <a:t>这是我们代码开源</a:t>
+            </a:r>
+            <a:r>
+              <a:rPr lang="zh-CN" altLang="en-US"/>
+              <a:t>地址</a:t>
+            </a:r>
+            <a:endParaRPr lang="zh-CN" altLang="en-US"/>
+          </a:p>
+        </p:txBody>
+      </p:sp>
+    </p:spTree>
+  </p:cSld>
+  <p:clrMapOvr>
+    <a:masterClrMapping/>
+  </p:clrMapOvr>
+</p:notes>
+</file>
+
+<file path=ppt/notesSlides/notesSlide2.xml><?xml version="1.0" encoding="utf-8"?>
+<p:notes xmlns:a="http://schemas.openxmlformats.org/drawingml/2006/main" xmlns:r="http://schemas.openxmlformats.org/officeDocument/2006/relationships" xmlns:p="http://schemas.openxmlformats.org/presentationml/2006/main">
+  <p:cSld>
+    <p:spTree>
+      <p:nvGrpSpPr>
+        <p:cNvPr id="1" name=""/>
+        <p:cNvGrpSpPr/>
+        <p:nvPr/>
+      </p:nvGrpSpPr>
+      <p:grpSpPr/>
+      <p:sp>
+        <p:nvSpPr>
+          <p:cNvPr id="2" name="幻灯片图像占位符 1"/>
+          <p:cNvSpPr>
+            <a:spLocks noGrp="1"/>
+          </p:cNvSpPr>
+          <p:nvPr>
+            <p:ph type="sldImg" idx="2"/>
+          </p:nvPr>
+        </p:nvSpPr>
+        <p:spPr/>
+      </p:sp>
+      <p:sp>
+        <p:nvSpPr>
+          <p:cNvPr id="3" name="文本占位符 2"/>
+          <p:cNvSpPr>
+            <a:spLocks noGrp="1"/>
+          </p:cNvSpPr>
+          <p:nvPr>
+            <p:ph type="body" idx="3"/>
+          </p:nvPr>
+        </p:nvSpPr>
+        <p:spPr/>
+        <p:txBody>
+          <a:bodyPr/>
+          <a:p>
+            <a:r>
+              <a:rPr lang="zh-CN" altLang="en-US"/>
+              <a:t>首先是指标设计。我们认为指标设计要满足可度量、可重复、有区分度和有针对性这四个标准。这四个标准共同决定了指标的有效性</a:t>
+            </a:r>
+            <a:endParaRPr lang="zh-CN" altLang="en-US"/>
+          </a:p>
+        </p:txBody>
+      </p:sp>
+    </p:spTree>
+  </p:cSld>
+  <p:clrMapOvr>
+    <a:masterClrMapping/>
+  </p:clrMapOvr>
+</p:notes>
+</file>
+
+<file path=ppt/notesSlides/notesSlide3.xml><?xml version="1.0" encoding="utf-8"?>
+<p:notes xmlns:a="http://schemas.openxmlformats.org/drawingml/2006/main" xmlns:r="http://schemas.openxmlformats.org/officeDocument/2006/relationships" xmlns:p="http://schemas.openxmlformats.org/presentationml/2006/main">
+  <p:cSld>
+    <p:spTree>
+      <p:nvGrpSpPr>
+        <p:cNvPr id="1" name=""/>
+        <p:cNvGrpSpPr/>
+        <p:nvPr/>
+      </p:nvGrpSpPr>
+      <p:grpSpPr/>
+      <p:sp>
+        <p:nvSpPr>
+          <p:cNvPr id="2" name="幻灯片图像占位符 1"/>
+          <p:cNvSpPr>
+            <a:spLocks noGrp="1"/>
+          </p:cNvSpPr>
+          <p:nvPr>
+            <p:ph type="sldImg" idx="2"/>
+          </p:nvPr>
+        </p:nvSpPr>
+        <p:spPr/>
+      </p:sp>
+      <p:sp>
+        <p:nvSpPr>
+          <p:cNvPr id="3" name="文本占位符 2"/>
+          <p:cNvSpPr>
+            <a:spLocks noGrp="1"/>
+          </p:cNvSpPr>
+          <p:nvPr>
+            <p:ph type="body" idx="3"/>
+          </p:nvPr>
+        </p:nvSpPr>
+        <p:spPr/>
+        <p:txBody>
+          <a:bodyPr/>
+          <a:p>
+            <a:r>
+              <a:rPr lang="zh-CN" altLang="en-US"/>
+              <a:t>考虑到上述标准，我们找到了合适的评测任务</a:t>
+            </a:r>
+            <a:r>
+              <a:rPr lang="en-US" altLang="zh-CN"/>
+              <a:t>——</a:t>
+            </a:r>
+            <a:r>
+              <a:rPr lang="zh-CN" altLang="en-US"/>
+              <a:t>评测大预言模型的代码生成能力。代码生成的正确性可以利用编译器和评测网站可以很容易评测正确性，而且和我们专业相关性强我们容易评价好坏，同时这也是未来的发展方向，像</a:t>
+            </a:r>
+            <a:r>
+              <a:rPr lang="en-US" altLang="zh-CN"/>
+              <a:t>Trae</a:t>
+            </a:r>
+            <a:r>
+              <a:rPr lang="zh-CN" altLang="en-US"/>
+              <a:t>之类的软件让我们看到了</a:t>
+            </a:r>
+            <a:r>
+              <a:rPr lang="zh-CN" altLang="en-US"/>
+              <a:t>无限可能</a:t>
+            </a:r>
+            <a:endParaRPr lang="zh-CN" altLang="en-US"/>
+          </a:p>
+        </p:txBody>
+      </p:sp>
+    </p:spTree>
+  </p:cSld>
+  <p:clrMapOvr>
+    <a:masterClrMapping/>
+  </p:clrMapOvr>
+</p:notes>
+</file>
+
+<file path=ppt/notesSlides/notesSlide4.xml><?xml version="1.0" encoding="utf-8"?>
+<p:notes xmlns:a="http://schemas.openxmlformats.org/drawingml/2006/main" xmlns:r="http://schemas.openxmlformats.org/officeDocument/2006/relationships" xmlns:p="http://schemas.openxmlformats.org/presentationml/2006/main">
+  <p:cSld>
+    <p:spTree>
+      <p:nvGrpSpPr>
+        <p:cNvPr id="1" name=""/>
+        <p:cNvGrpSpPr/>
+        <p:nvPr/>
+      </p:nvGrpSpPr>
+      <p:grpSpPr/>
+      <p:sp>
+        <p:nvSpPr>
+          <p:cNvPr id="2" name="幻灯片图像占位符 1"/>
+          <p:cNvSpPr>
+            <a:spLocks noGrp="1"/>
+          </p:cNvSpPr>
+          <p:nvPr>
+            <p:ph type="sldImg" idx="2"/>
+          </p:nvPr>
+        </p:nvSpPr>
+        <p:spPr/>
+      </p:sp>
+      <p:sp>
+        <p:nvSpPr>
+          <p:cNvPr id="3" name="文本占位符 2"/>
+          <p:cNvSpPr>
+            <a:spLocks noGrp="1"/>
+          </p:cNvSpPr>
+          <p:nvPr>
+            <p:ph type="body" idx="3"/>
+          </p:nvPr>
+        </p:nvSpPr>
+        <p:spPr/>
+        <p:txBody>
+          <a:bodyPr/>
+          <a:p>
+            <a:r>
+              <a:rPr lang="zh-CN" altLang="en-US"/>
+              <a:t>对已有的数据集进行调研后，我们发现没有指标是针对模型通过提示修正自己错误能力的，因此我们给予了模型两次修正的机会并给出不等的分数。为了充分区分不同大模型的能力，我们设计了四个应用场景不同且难度不同的数据集，这会在后面介绍。对于模型，我们选择了目前主流的</a:t>
+            </a:r>
+            <a:r>
+              <a:rPr lang="en-US" altLang="zh-CN">
+                <a:latin typeface="华文宋体" panose="02010600040101010101" charset="-122"/>
+                <a:ea typeface="华文宋体" panose="02010600040101010101" charset="-122"/>
+                <a:cs typeface="华文宋体" panose="02010600040101010101" charset="-122"/>
+                <a:sym typeface="+mn-ea"/>
+              </a:rPr>
+              <a:t> </a:t>
+            </a:r>
+            <a:r>
+              <a:rPr lang="zh-CN" altLang="en-US">
+                <a:latin typeface="华文宋体" panose="02010600040101010101" charset="-122"/>
+                <a:ea typeface="华文宋体" panose="02010600040101010101" charset="-122"/>
+                <a:cs typeface="华文宋体" panose="02010600040101010101" charset="-122"/>
+                <a:sym typeface="+mn-ea"/>
+              </a:rPr>
+              <a:t>ChatGPT-o3-mini-high、DeepSeek</a:t>
+            </a:r>
+            <a:r>
+              <a:rPr lang="en-US" altLang="zh-CN">
+                <a:latin typeface="华文宋体" panose="02010600040101010101" charset="-122"/>
+                <a:ea typeface="华文宋体" panose="02010600040101010101" charset="-122"/>
+                <a:cs typeface="华文宋体" panose="02010600040101010101" charset="-122"/>
+                <a:sym typeface="+mn-ea"/>
+              </a:rPr>
+              <a:t>-</a:t>
+            </a:r>
+            <a:r>
+              <a:rPr lang="zh-CN" altLang="en-US">
+                <a:latin typeface="华文宋体" panose="02010600040101010101" charset="-122"/>
+                <a:ea typeface="华文宋体" panose="02010600040101010101" charset="-122"/>
+                <a:cs typeface="华文宋体" panose="02010600040101010101" charset="-122"/>
+                <a:sym typeface="+mn-ea"/>
+              </a:rPr>
+              <a:t>R1、kimi和doubao，并尽可能选择其性能最佳的</a:t>
+            </a:r>
+            <a:r>
+              <a:rPr lang="zh-CN" altLang="en-US">
+                <a:latin typeface="华文宋体" panose="02010600040101010101" charset="-122"/>
+                <a:ea typeface="华文宋体" panose="02010600040101010101" charset="-122"/>
+                <a:cs typeface="华文宋体" panose="02010600040101010101" charset="-122"/>
+                <a:sym typeface="+mn-ea"/>
+              </a:rPr>
+              <a:t>种类。</a:t>
+            </a:r>
+            <a:endParaRPr lang="zh-CN" altLang="en-US">
+              <a:latin typeface="华文宋体" panose="02010600040101010101" charset="-122"/>
+              <a:ea typeface="华文宋体" panose="02010600040101010101" charset="-122"/>
+              <a:cs typeface="华文宋体" panose="02010600040101010101" charset="-122"/>
+              <a:sym typeface="+mn-ea"/>
+            </a:endParaRPr>
+          </a:p>
+        </p:txBody>
+      </p:sp>
+    </p:spTree>
+  </p:cSld>
+  <p:clrMapOvr>
+    <a:masterClrMapping/>
+  </p:clrMapOvr>
+</p:notes>
+</file>
+
+<file path=ppt/notesSlides/notesSlide5.xml><?xml version="1.0" encoding="utf-8"?>
+<p:notes xmlns:a="http://schemas.openxmlformats.org/drawingml/2006/main" xmlns:r="http://schemas.openxmlformats.org/officeDocument/2006/relationships" xmlns:p="http://schemas.openxmlformats.org/presentationml/2006/main">
+  <p:cSld>
+    <p:spTree>
+      <p:nvGrpSpPr>
+        <p:cNvPr id="1" name=""/>
+        <p:cNvGrpSpPr/>
+        <p:nvPr/>
+      </p:nvGrpSpPr>
+      <p:grpSpPr/>
+      <p:sp>
+        <p:nvSpPr>
+          <p:cNvPr id="2" name="幻灯片图像占位符 1"/>
+          <p:cNvSpPr>
+            <a:spLocks noGrp="1"/>
+          </p:cNvSpPr>
+          <p:nvPr>
+            <p:ph type="sldImg" idx="2"/>
+          </p:nvPr>
+        </p:nvSpPr>
+        <p:spPr/>
+      </p:sp>
+      <p:sp>
+        <p:nvSpPr>
+          <p:cNvPr id="3" name="文本占位符 2"/>
+          <p:cNvSpPr>
+            <a:spLocks noGrp="1"/>
+          </p:cNvSpPr>
+          <p:nvPr>
+            <p:ph type="body" idx="3"/>
+          </p:nvPr>
+        </p:nvSpPr>
+        <p:spPr/>
+        <p:txBody>
+          <a:bodyPr/>
+          <a:p>
+            <a:r>
+              <a:rPr lang="zh-CN" altLang="en-US"/>
+              <a:t>日常数据集是一些需要少量知识且码量不高的任务，用以测试</a:t>
+            </a:r>
+            <a:r>
+              <a:rPr lang="zh-CN" altLang="en-US">
+                <a:latin typeface="华文宋体" panose="02010600040101010101" charset="-122"/>
+                <a:ea typeface="华文宋体" panose="02010600040101010101" charset="-122"/>
+                <a:cs typeface="华文宋体" panose="02010600040101010101" charset="-122"/>
+                <a:sym typeface="+mn-ea"/>
+              </a:rPr>
+              <a:t>大预言模型取代技术文档甚至是搜索引擎的</a:t>
+            </a:r>
+            <a:r>
+              <a:rPr lang="zh-CN" altLang="en-US">
+                <a:latin typeface="华文宋体" panose="02010600040101010101" charset="-122"/>
+                <a:ea typeface="华文宋体" panose="02010600040101010101" charset="-122"/>
+                <a:cs typeface="华文宋体" panose="02010600040101010101" charset="-122"/>
+                <a:sym typeface="+mn-ea"/>
+              </a:rPr>
+              <a:t>能力。</a:t>
+            </a:r>
+            <a:endParaRPr lang="zh-CN" altLang="en-US">
+              <a:latin typeface="华文宋体" panose="02010600040101010101" charset="-122"/>
+              <a:ea typeface="华文宋体" panose="02010600040101010101" charset="-122"/>
+              <a:cs typeface="华文宋体" panose="02010600040101010101" charset="-122"/>
+              <a:sym typeface="+mn-ea"/>
+            </a:endParaRPr>
+          </a:p>
+        </p:txBody>
+      </p:sp>
+    </p:spTree>
+  </p:cSld>
+  <p:clrMapOvr>
+    <a:masterClrMapping/>
+  </p:clrMapOvr>
+</p:notes>
+</file>
+
+<file path=ppt/notesSlides/notesSlide6.xml><?xml version="1.0" encoding="utf-8"?>
+<p:notes xmlns:a="http://schemas.openxmlformats.org/drawingml/2006/main" xmlns:r="http://schemas.openxmlformats.org/officeDocument/2006/relationships" xmlns:p="http://schemas.openxmlformats.org/presentationml/2006/main">
+  <p:cSld>
+    <p:spTree>
+      <p:nvGrpSpPr>
+        <p:cNvPr id="1" name=""/>
+        <p:cNvGrpSpPr/>
+        <p:nvPr/>
+      </p:nvGrpSpPr>
+      <p:grpSpPr/>
+      <p:sp>
+        <p:nvSpPr>
+          <p:cNvPr id="2" name="幻灯片图像占位符 1"/>
+          <p:cNvSpPr>
+            <a:spLocks noGrp="1"/>
+          </p:cNvSpPr>
+          <p:nvPr>
+            <p:ph type="sldImg" idx="2"/>
+          </p:nvPr>
+        </p:nvSpPr>
+        <p:spPr/>
+      </p:sp>
+      <p:sp>
+        <p:nvSpPr>
+          <p:cNvPr id="3" name="文本占位符 2"/>
+          <p:cNvSpPr>
+            <a:spLocks noGrp="1"/>
+          </p:cNvSpPr>
+          <p:nvPr>
+            <p:ph type="body" idx="3"/>
+          </p:nvPr>
+        </p:nvSpPr>
+        <p:spPr/>
+        <p:txBody>
+          <a:bodyPr/>
+          <a:p>
+            <a:r>
+              <a:rPr lang="zh-CN" altLang="en-US"/>
+              <a:t>深度学习数据集分两部分，一部分用以测试模型构建指定模型能力，另一部分用以测试对模型性能的理解，以分析其辅助深度学习相关工作者构建部分组件的</a:t>
+            </a:r>
+            <a:r>
+              <a:rPr lang="zh-CN" altLang="en-US"/>
+              <a:t>能力</a:t>
+            </a:r>
+            <a:endParaRPr lang="zh-CN" altLang="en-US"/>
+          </a:p>
+        </p:txBody>
+      </p:sp>
+    </p:spTree>
+  </p:cSld>
+  <p:clrMapOvr>
+    <a:masterClrMapping/>
+  </p:clrMapOvr>
+</p:notes>
+</file>
+
+<file path=ppt/notesSlides/notesSlide7.xml><?xml version="1.0" encoding="utf-8"?>
+<p:notes xmlns:a="http://schemas.openxmlformats.org/drawingml/2006/main" xmlns:r="http://schemas.openxmlformats.org/officeDocument/2006/relationships" xmlns:p="http://schemas.openxmlformats.org/presentationml/2006/main">
+  <p:cSld>
+    <p:spTree>
+      <p:nvGrpSpPr>
+        <p:cNvPr id="1" name=""/>
+        <p:cNvGrpSpPr/>
+        <p:nvPr/>
+      </p:nvGrpSpPr>
+      <p:grpSpPr/>
+      <p:sp>
+        <p:nvSpPr>
+          <p:cNvPr id="2" name="幻灯片图像占位符 1"/>
+          <p:cNvSpPr>
+            <a:spLocks noGrp="1"/>
+          </p:cNvSpPr>
+          <p:nvPr>
+            <p:ph type="sldImg" idx="2"/>
+          </p:nvPr>
+        </p:nvSpPr>
+        <p:spPr/>
+      </p:sp>
+      <p:sp>
+        <p:nvSpPr>
+          <p:cNvPr id="3" name="文本占位符 2"/>
+          <p:cNvSpPr>
+            <a:spLocks noGrp="1"/>
+          </p:cNvSpPr>
+          <p:nvPr>
+            <p:ph type="body" idx="3"/>
+          </p:nvPr>
+        </p:nvSpPr>
+        <p:spPr/>
+        <p:txBody>
+          <a:bodyPr/>
+          <a:p>
+            <a:r>
+              <a:rPr lang="zh-CN" altLang="en-US"/>
+              <a:t>经典算法数据集提问经典算法以评测大语言模型完成大多数课程作业的</a:t>
+            </a:r>
+            <a:r>
+              <a:rPr lang="zh-CN" altLang="en-US"/>
+              <a:t>能力</a:t>
+            </a:r>
+            <a:endParaRPr lang="zh-CN" altLang="en-US"/>
+          </a:p>
+        </p:txBody>
+      </p:sp>
+    </p:spTree>
+  </p:cSld>
+  <p:clrMapOvr>
+    <a:masterClrMapping/>
+  </p:clrMapOvr>
+</p:notes>
+</file>
+
+<file path=ppt/notesSlides/notesSlide8.xml><?xml version="1.0" encoding="utf-8"?>
+<p:notes xmlns:a="http://schemas.openxmlformats.org/drawingml/2006/main" xmlns:r="http://schemas.openxmlformats.org/officeDocument/2006/relationships" xmlns:p="http://schemas.openxmlformats.org/presentationml/2006/main">
+  <p:cSld>
+    <p:spTree>
+      <p:nvGrpSpPr>
+        <p:cNvPr id="1" name=""/>
+        <p:cNvGrpSpPr/>
+        <p:nvPr/>
+      </p:nvGrpSpPr>
+      <p:grpSpPr/>
+      <p:sp>
+        <p:nvSpPr>
+          <p:cNvPr id="2" name="幻灯片图像占位符 1"/>
+          <p:cNvSpPr>
+            <a:spLocks noGrp="1"/>
+          </p:cNvSpPr>
+          <p:nvPr>
+            <p:ph type="sldImg" idx="2"/>
+          </p:nvPr>
+        </p:nvSpPr>
+        <p:spPr/>
+      </p:sp>
+      <p:sp>
+        <p:nvSpPr>
+          <p:cNvPr id="3" name="文本占位符 2"/>
+          <p:cNvSpPr>
+            <a:spLocks noGrp="1"/>
+          </p:cNvSpPr>
+          <p:nvPr>
+            <p:ph type="body" idx="3"/>
+          </p:nvPr>
+        </p:nvSpPr>
+        <p:spPr/>
+        <p:txBody>
+          <a:bodyPr/>
+          <a:p>
+            <a:r>
+              <a:rPr lang="en-US" altLang="zh-CN"/>
+              <a:t>ACM</a:t>
+            </a:r>
+            <a:r>
+              <a:rPr lang="zh-CN" altLang="en-US"/>
+              <a:t>竞赛数据集利用</a:t>
+            </a:r>
+            <a:r>
+              <a:rPr lang="en-US" altLang="zh-CN"/>
+              <a:t>Codeforce</a:t>
+            </a:r>
+            <a:r>
+              <a:rPr lang="zh-CN" altLang="en-US"/>
+              <a:t>和</a:t>
+            </a:r>
+            <a:r>
+              <a:rPr lang="en-US" altLang="zh-CN"/>
+              <a:t>ICPC</a:t>
+            </a:r>
+            <a:r>
+              <a:rPr lang="zh-CN" altLang="en-US"/>
+              <a:t>的成熟比赛代码评测大语言模型自主建模并完成复杂编程任务的</a:t>
+            </a:r>
+            <a:r>
+              <a:rPr lang="zh-CN" altLang="en-US"/>
+              <a:t>能力。</a:t>
+            </a:r>
+            <a:endParaRPr lang="zh-CN" altLang="en-US"/>
+          </a:p>
+        </p:txBody>
+      </p:sp>
+    </p:spTree>
+  </p:cSld>
+  <p:clrMapOvr>
+    <a:masterClrMapping/>
+  </p:clrMapOvr>
+</p:notes>
+</file>
+
+<file path=ppt/notesSlides/notesSlide9.xml><?xml version="1.0" encoding="utf-8"?>
+<p:notes xmlns:a="http://schemas.openxmlformats.org/drawingml/2006/main" xmlns:r="http://schemas.openxmlformats.org/officeDocument/2006/relationships" xmlns:p="http://schemas.openxmlformats.org/presentationml/2006/main">
+  <p:cSld>
+    <p:spTree>
+      <p:nvGrpSpPr>
+        <p:cNvPr id="1" name=""/>
+        <p:cNvGrpSpPr/>
+        <p:nvPr/>
+      </p:nvGrpSpPr>
+      <p:grpSpPr/>
+      <p:sp>
+        <p:nvSpPr>
+          <p:cNvPr id="2" name="幻灯片图像占位符 1"/>
+          <p:cNvSpPr>
+            <a:spLocks noGrp="1"/>
+          </p:cNvSpPr>
+          <p:nvPr>
+            <p:ph type="sldImg" idx="2"/>
+          </p:nvPr>
+        </p:nvSpPr>
+        <p:spPr/>
+      </p:sp>
+      <p:sp>
+        <p:nvSpPr>
+          <p:cNvPr id="3" name="文本占位符 2"/>
+          <p:cNvSpPr>
+            <a:spLocks noGrp="1"/>
+          </p:cNvSpPr>
+          <p:nvPr>
+            <p:ph type="body" idx="3"/>
+          </p:nvPr>
+        </p:nvSpPr>
+        <p:spPr/>
+        <p:txBody>
+          <a:bodyPr/>
+          <a:p>
+            <a:r>
+              <a:rPr lang="zh-CN" altLang="en-US"/>
+              <a:t>基础分分三档，第一二三次回答分别得</a:t>
+            </a:r>
+            <a:r>
+              <a:rPr lang="en-US" altLang="zh-CN"/>
+              <a:t>1008060</a:t>
+            </a:r>
+            <a:r>
+              <a:rPr lang="zh-CN" altLang="en-US"/>
+              <a:t>分；额外分是评测者人为赋分，给</a:t>
+            </a:r>
+            <a:r>
+              <a:rPr lang="en-US" altLang="zh-CN"/>
+              <a:t>20</a:t>
+            </a:r>
+            <a:r>
+              <a:rPr lang="zh-CN" altLang="en-US"/>
+              <a:t>分给表现最好的</a:t>
+            </a:r>
+            <a:r>
+              <a:rPr lang="zh-CN" altLang="en-US"/>
+              <a:t>模型，原则是宁缺</a:t>
+            </a:r>
+            <a:r>
+              <a:rPr lang="zh-CN" altLang="en-US"/>
+              <a:t>勿滥。</a:t>
+            </a:r>
+            <a:endParaRPr lang="zh-CN" altLang="en-US"/>
+          </a:p>
+        </p:txBody>
+      </p:sp>
+    </p:spTree>
+  </p:cSld>
+  <p:clrMapOvr>
+    <a:masterClrMapping/>
+  </p:clrMapOvr>
+</p:notes>
 </file>
 
 <file path=ppt/slideLayouts/slideLayout1.xml><?xml version="1.0" encoding="utf-8"?>
@@ -3857,6 +5102,36 @@
           </a:p>
         </p:txBody>
       </p:sp>
+      <p:pic>
+        <p:nvPicPr>
+          <p:cNvPr id="12" name="图片 11" descr="yuge"/>
+          <p:cNvPicPr>
+            <a:picLocks noChangeAspect="1"/>
+          </p:cNvPicPr>
+          <p:nvPr/>
+        </p:nvPicPr>
+        <p:blipFill>
+          <a:blip r:embed="rId2">
+            <a:extLst>
+              <a:ext uri="{96DAC541-7B7A-43D3-8B79-37D633B846F1}">
+                <asvg:svgBlip xmlns:asvg="http://schemas.microsoft.com/office/drawing/2016/SVG/main" r:embed="rId3"/>
+              </a:ext>
+            </a:extLst>
+          </a:blip>
+          <a:stretch>
+            <a:fillRect/>
+          </a:stretch>
+        </p:blipFill>
+        <p:spPr>
+          <a:xfrm>
+            <a:off x="10549890" y="5974715"/>
+            <a:ext cx="1237615" cy="634365"/>
+          </a:xfrm>
+          <a:prstGeom prst="rect">
+            <a:avLst/>
+          </a:prstGeom>
+        </p:spPr>
+      </p:pic>
     </p:spTree>
   </p:cSld>
   <p:clrMapOvr>
@@ -4248,7 +5523,7 @@
         </p:nvSpPr>
         <p:spPr>
           <a:xfrm>
-            <a:off x="7635875" y="5474335"/>
+            <a:off x="7636510" y="4676775"/>
             <a:ext cx="4555490" cy="1383665"/>
           </a:xfrm>
           <a:prstGeom prst="rect">
@@ -4334,7 +5609,7 @@
         <p:spPr>
           <a:xfrm>
             <a:off x="7805420" y="2712720"/>
-            <a:ext cx="4116705" cy="1753235"/>
+            <a:ext cx="4116705" cy="2030095"/>
           </a:xfrm>
           <a:prstGeom prst="rect">
             <a:avLst/>
@@ -4378,7 +5653,27 @@
                 <a:ea typeface="华文宋体" panose="02010600040101010101" charset="-122"/>
                 <a:cs typeface="华文宋体" panose="02010600040101010101" charset="-122"/>
               </a:rPr>
-              <a:t>在解决简单和经典问题上四种模型的效果都不错，但在解决有挑战性的ACM竞赛上差异显著并且效果都一般。</a:t>
+              <a:t>在解决简单和经典问题上四种模型的效果都不错，但在解决有挑战性的ACM竞赛上耗时很长，效果都一般但</a:t>
+            </a:r>
+            <a:r>
+              <a:rPr lang="zh-CN" altLang="en-US">
+                <a:latin typeface="华文宋体" panose="02010600040101010101" charset="-122"/>
+                <a:ea typeface="华文宋体" panose="02010600040101010101" charset="-122"/>
+                <a:cs typeface="华文宋体" panose="02010600040101010101" charset="-122"/>
+                <a:sym typeface="+mn-ea"/>
+              </a:rPr>
+              <a:t>差异显著</a:t>
+            </a:r>
+            <a:r>
+              <a:rPr lang="zh-CN" altLang="en-US">
+                <a:solidFill>
+                  <a:schemeClr val="tx1"/>
+                </a:solidFill>
+                <a:latin typeface="华文宋体" panose="02010600040101010101" charset="-122"/>
+                <a:ea typeface="华文宋体" panose="02010600040101010101" charset="-122"/>
+                <a:cs typeface="华文宋体" panose="02010600040101010101" charset="-122"/>
+              </a:rPr>
+              <a:t>。</a:t>
             </a:r>
             <a:endParaRPr lang="zh-CN" altLang="en-US">
               <a:solidFill>
@@ -4391,6 +5686,36 @@
           </a:p>
         </p:txBody>
       </p:sp>
+      <p:pic>
+        <p:nvPicPr>
+          <p:cNvPr id="4" name="图片 3" descr="yuge"/>
+          <p:cNvPicPr>
+            <a:picLocks noChangeAspect="1"/>
+          </p:cNvPicPr>
+          <p:nvPr/>
+        </p:nvPicPr>
+        <p:blipFill>
+          <a:blip r:embed="rId5">
+            <a:extLst>
+              <a:ext uri="{96DAC541-7B7A-43D3-8B79-37D633B846F1}">
+                <asvg:svgBlip xmlns:asvg="http://schemas.microsoft.com/office/drawing/2016/SVG/main" r:embed="rId6"/>
+              </a:ext>
+            </a:extLst>
+          </a:blip>
+          <a:stretch>
+            <a:fillRect/>
+          </a:stretch>
+        </p:blipFill>
+        <p:spPr>
+          <a:xfrm>
+            <a:off x="10549890" y="5974715"/>
+            <a:ext cx="1237615" cy="634365"/>
+          </a:xfrm>
+          <a:prstGeom prst="rect">
+            <a:avLst/>
+          </a:prstGeom>
+        </p:spPr>
+      </p:pic>
     </p:spTree>
   </p:cSld>
   <p:clrMapOvr>
@@ -5112,6 +6437,357 @@
           </a:p>
         </p:txBody>
       </p:sp>
+      <p:sp>
+        <p:nvSpPr>
+          <p:cNvPr id="4" name="矩形 3"/>
+          <p:cNvSpPr/>
+          <p:nvPr/>
+        </p:nvSpPr>
+        <p:spPr>
+          <a:xfrm>
+            <a:off x="1258570" y="3208655"/>
+            <a:ext cx="1372235" cy="290830"/>
+          </a:xfrm>
+          <a:prstGeom prst="rect">
+            <a:avLst/>
+          </a:prstGeom>
+          <a:solidFill>
+            <a:srgbClr val="E0E0FF"/>
+          </a:solidFill>
+          <a:ln>
+            <a:noFill/>
+          </a:ln>
+        </p:spPr>
+        <p:style>
+          <a:lnRef idx="2">
+            <a:schemeClr val="accent1">
+              <a:lumMod val="75000"/>
+            </a:schemeClr>
+          </a:lnRef>
+          <a:fillRef idx="1">
+            <a:schemeClr val="accent1"/>
+          </a:fillRef>
+          <a:effectRef idx="0">
+            <a:srgbClr val="FFFFFF"/>
+          </a:effectRef>
+          <a:fontRef idx="minor">
+            <a:schemeClr val="lt1"/>
+          </a:fontRef>
+        </p:style>
+        <p:txBody>
+          <a:bodyPr rtlCol="0" anchor="ctr"/>
+          <a:p>
+            <a:pPr algn="ctr"/>
+            <a:endParaRPr lang="zh-CN" altLang="en-US"/>
+          </a:p>
+        </p:txBody>
+      </p:sp>
+      <p:sp>
+        <p:nvSpPr>
+          <p:cNvPr id="8" name="矩形 7"/>
+          <p:cNvSpPr/>
+          <p:nvPr/>
+        </p:nvSpPr>
+        <p:spPr>
+          <a:xfrm>
+            <a:off x="2339975" y="3335655"/>
+            <a:ext cx="1372235" cy="290830"/>
+          </a:xfrm>
+          <a:prstGeom prst="rect">
+            <a:avLst/>
+          </a:prstGeom>
+          <a:solidFill>
+            <a:srgbClr val="E0E0FF"/>
+          </a:solidFill>
+          <a:ln>
+            <a:noFill/>
+          </a:ln>
+        </p:spPr>
+        <p:style>
+          <a:lnRef idx="2">
+            <a:schemeClr val="accent1">
+              <a:lumMod val="75000"/>
+            </a:schemeClr>
+          </a:lnRef>
+          <a:fillRef idx="1">
+            <a:schemeClr val="accent1"/>
+          </a:fillRef>
+          <a:effectRef idx="0">
+            <a:srgbClr val="FFFFFF"/>
+          </a:effectRef>
+          <a:fontRef idx="minor">
+            <a:schemeClr val="lt1"/>
+          </a:fontRef>
+        </p:style>
+        <p:txBody>
+          <a:bodyPr rtlCol="0" anchor="ctr"/>
+          <a:p>
+            <a:pPr algn="ctr"/>
+            <a:endParaRPr lang="zh-CN" altLang="en-US"/>
+          </a:p>
+        </p:txBody>
+      </p:sp>
+      <p:sp>
+        <p:nvSpPr>
+          <p:cNvPr id="9" name="矩形 8"/>
+          <p:cNvSpPr/>
+          <p:nvPr/>
+        </p:nvSpPr>
+        <p:spPr>
+          <a:xfrm>
+            <a:off x="1152525" y="3836035"/>
+            <a:ext cx="1341755" cy="321310"/>
+          </a:xfrm>
+          <a:prstGeom prst="rect">
+            <a:avLst/>
+          </a:prstGeom>
+          <a:solidFill>
+            <a:srgbClr val="F2F2F2"/>
+          </a:solidFill>
+          <a:ln>
+            <a:noFill/>
+          </a:ln>
+        </p:spPr>
+        <p:style>
+          <a:lnRef idx="2">
+            <a:schemeClr val="accent1">
+              <a:lumMod val="75000"/>
+            </a:schemeClr>
+          </a:lnRef>
+          <a:fillRef idx="1">
+            <a:schemeClr val="accent1"/>
+          </a:fillRef>
+          <a:effectRef idx="0">
+            <a:srgbClr val="FFFFFF"/>
+          </a:effectRef>
+          <a:fontRef idx="minor">
+            <a:schemeClr val="lt1"/>
+          </a:fontRef>
+        </p:style>
+        <p:txBody>
+          <a:bodyPr rtlCol="0" anchor="ctr"/>
+          <a:p>
+            <a:pPr algn="ctr"/>
+            <a:endParaRPr lang="zh-CN" altLang="en-US"/>
+          </a:p>
+        </p:txBody>
+      </p:sp>
+      <p:sp>
+        <p:nvSpPr>
+          <p:cNvPr id="10" name="矩形 9"/>
+          <p:cNvSpPr/>
+          <p:nvPr/>
+        </p:nvSpPr>
+        <p:spPr>
+          <a:xfrm>
+            <a:off x="1152525" y="2569210"/>
+            <a:ext cx="1341755" cy="321310"/>
+          </a:xfrm>
+          <a:prstGeom prst="rect">
+            <a:avLst/>
+          </a:prstGeom>
+          <a:solidFill>
+            <a:srgbClr val="F2F2F2"/>
+          </a:solidFill>
+          <a:ln>
+            <a:noFill/>
+          </a:ln>
+        </p:spPr>
+        <p:style>
+          <a:lnRef idx="2">
+            <a:schemeClr val="accent1">
+              <a:lumMod val="75000"/>
+            </a:schemeClr>
+          </a:lnRef>
+          <a:fillRef idx="1">
+            <a:schemeClr val="accent1"/>
+          </a:fillRef>
+          <a:effectRef idx="0">
+            <a:srgbClr val="FFFFFF"/>
+          </a:effectRef>
+          <a:fontRef idx="minor">
+            <a:schemeClr val="lt1"/>
+          </a:fontRef>
+        </p:style>
+        <p:txBody>
+          <a:bodyPr rtlCol="0" anchor="ctr"/>
+          <a:p>
+            <a:pPr algn="ctr"/>
+            <a:endParaRPr lang="zh-CN" altLang="en-US"/>
+          </a:p>
+        </p:txBody>
+      </p:sp>
+      <p:sp>
+        <p:nvSpPr>
+          <p:cNvPr id="11" name="文本框 10"/>
+          <p:cNvSpPr txBox="1"/>
+          <p:nvPr/>
+        </p:nvSpPr>
+        <p:spPr>
+          <a:xfrm>
+            <a:off x="474980" y="2025015"/>
+            <a:ext cx="676910" cy="368300"/>
+          </a:xfrm>
+          <a:prstGeom prst="rect">
+            <a:avLst/>
+          </a:prstGeom>
+          <a:noFill/>
+        </p:spPr>
+        <p:txBody>
+          <a:bodyPr wrap="square" rtlCol="0">
+            <a:spAutoFit/>
+          </a:bodyPr>
+          <a:p>
+            <a:r>
+              <a:rPr lang="zh-CN" altLang="en-US">
+                <a:solidFill>
+                  <a:schemeClr val="bg2">
+                    <a:lumMod val="50000"/>
+                  </a:schemeClr>
+                </a:solidFill>
+                <a:latin typeface="华文宋体" panose="02010600040101010101" charset="-122"/>
+                <a:ea typeface="华文宋体" panose="02010600040101010101" charset="-122"/>
+                <a:cs typeface="华文宋体" panose="02010600040101010101" charset="-122"/>
+              </a:rPr>
+              <a:t>排名</a:t>
+            </a:r>
+            <a:endParaRPr lang="zh-CN" altLang="en-US">
+              <a:solidFill>
+                <a:schemeClr val="bg2">
+                  <a:lumMod val="50000"/>
+                </a:schemeClr>
+              </a:solidFill>
+              <a:latin typeface="华文宋体" panose="02010600040101010101" charset="-122"/>
+              <a:ea typeface="华文宋体" panose="02010600040101010101" charset="-122"/>
+              <a:cs typeface="华文宋体" panose="02010600040101010101" charset="-122"/>
+            </a:endParaRPr>
+          </a:p>
+        </p:txBody>
+      </p:sp>
+      <p:sp>
+        <p:nvSpPr>
+          <p:cNvPr id="12" name="文本框 11"/>
+          <p:cNvSpPr txBox="1"/>
+          <p:nvPr/>
+        </p:nvSpPr>
+        <p:spPr>
+          <a:xfrm>
+            <a:off x="10890250" y="2025015"/>
+            <a:ext cx="676910" cy="368300"/>
+          </a:xfrm>
+          <a:prstGeom prst="rect">
+            <a:avLst/>
+          </a:prstGeom>
+          <a:noFill/>
+        </p:spPr>
+        <p:txBody>
+          <a:bodyPr wrap="square" rtlCol="0">
+            <a:spAutoFit/>
+          </a:bodyPr>
+          <a:p>
+            <a:r>
+              <a:rPr lang="zh-CN" altLang="en-US">
+                <a:solidFill>
+                  <a:schemeClr val="bg2">
+                    <a:lumMod val="50000"/>
+                  </a:schemeClr>
+                </a:solidFill>
+                <a:latin typeface="华文宋体" panose="02010600040101010101" charset="-122"/>
+                <a:ea typeface="华文宋体" panose="02010600040101010101" charset="-122"/>
+                <a:cs typeface="华文宋体" panose="02010600040101010101" charset="-122"/>
+              </a:rPr>
+              <a:t>用时</a:t>
+            </a:r>
+            <a:endParaRPr lang="zh-CN" altLang="en-US">
+              <a:solidFill>
+                <a:schemeClr val="bg2">
+                  <a:lumMod val="50000"/>
+                </a:schemeClr>
+              </a:solidFill>
+              <a:latin typeface="华文宋体" panose="02010600040101010101" charset="-122"/>
+              <a:ea typeface="华文宋体" panose="02010600040101010101" charset="-122"/>
+              <a:cs typeface="华文宋体" panose="02010600040101010101" charset="-122"/>
+            </a:endParaRPr>
+          </a:p>
+        </p:txBody>
+      </p:sp>
+      <p:sp>
+        <p:nvSpPr>
+          <p:cNvPr id="13" name="文本框 12"/>
+          <p:cNvSpPr txBox="1"/>
+          <p:nvPr/>
+        </p:nvSpPr>
+        <p:spPr>
+          <a:xfrm>
+            <a:off x="10064750" y="2025650"/>
+            <a:ext cx="942975" cy="368300"/>
+          </a:xfrm>
+          <a:prstGeom prst="rect">
+            <a:avLst/>
+          </a:prstGeom>
+          <a:noFill/>
+        </p:spPr>
+        <p:txBody>
+          <a:bodyPr wrap="square" rtlCol="0">
+            <a:spAutoFit/>
+          </a:bodyPr>
+          <a:p>
+            <a:r>
+              <a:rPr lang="zh-CN" altLang="en-US">
+                <a:solidFill>
+                  <a:schemeClr val="bg2">
+                    <a:lumMod val="50000"/>
+                  </a:schemeClr>
+                </a:solidFill>
+                <a:latin typeface="华文宋体" panose="02010600040101010101" charset="-122"/>
+                <a:ea typeface="华文宋体" panose="02010600040101010101" charset="-122"/>
+                <a:cs typeface="华文宋体" panose="02010600040101010101" charset="-122"/>
+              </a:rPr>
+              <a:t>过题数</a:t>
+            </a:r>
+            <a:endParaRPr lang="zh-CN" altLang="en-US">
+              <a:solidFill>
+                <a:schemeClr val="bg2">
+                  <a:lumMod val="50000"/>
+                </a:schemeClr>
+              </a:solidFill>
+              <a:latin typeface="华文宋体" panose="02010600040101010101" charset="-122"/>
+              <a:ea typeface="华文宋体" panose="02010600040101010101" charset="-122"/>
+              <a:cs typeface="华文宋体" panose="02010600040101010101" charset="-122"/>
+            </a:endParaRPr>
+          </a:p>
+        </p:txBody>
+      </p:sp>
+      <p:pic>
+        <p:nvPicPr>
+          <p:cNvPr id="3" name="图片 2" descr="yuge"/>
+          <p:cNvPicPr>
+            <a:picLocks noChangeAspect="1"/>
+          </p:cNvPicPr>
+          <p:nvPr/>
+        </p:nvPicPr>
+        <p:blipFill>
+          <a:blip r:embed="rId6">
+            <a:extLst>
+              <a:ext uri="{96DAC541-7B7A-43D3-8B79-37D633B846F1}">
+                <asvg:svgBlip xmlns:asvg="http://schemas.microsoft.com/office/drawing/2016/SVG/main" r:embed="rId7"/>
+              </a:ext>
+            </a:extLst>
+          </a:blip>
+          <a:stretch>
+            <a:fillRect/>
+          </a:stretch>
+        </p:blipFill>
+        <p:spPr>
+          <a:xfrm>
+            <a:off x="10549890" y="5974715"/>
+            <a:ext cx="1237615" cy="634365"/>
+          </a:xfrm>
+          <a:prstGeom prst="rect">
+            <a:avLst/>
+          </a:prstGeom>
+        </p:spPr>
+      </p:pic>
     </p:spTree>
   </p:cSld>
   <p:clrMapOvr>
@@ -5587,7 +7263,16 @@
                 <a:cs typeface="华文宋体" panose="02010600040101010101" charset="-122"/>
                 <a:sym typeface="+mn-ea"/>
               </a:rPr>
-              <a:t>MFU（Model FLOPS Utilization，用于</a:t>
+              <a:t>MFU（Model FLOPS Utilization，用于评估GPU算力利用率）:</a:t>
+            </a:r>
+            <a:r>
+              <a:rPr lang="en-US" altLang="zh-CN" sz="2000">
+                <a:latin typeface="华文宋体" panose="02010600040101010101" charset="-122"/>
+                <a:ea typeface="华文宋体" panose="02010600040101010101" charset="-122"/>
+                <a:cs typeface="华文宋体" panose="02010600040101010101" charset="-122"/>
+                <a:sym typeface="+mn-ea"/>
+              </a:rPr>
+              <a:t> </a:t>
             </a:r>
             <a:r>
               <a:rPr lang="zh-CN" altLang="en-US" sz="2000">
@@ -5596,34 +7281,16 @@
                 <a:cs typeface="华文宋体" panose="02010600040101010101" charset="-122"/>
                 <a:sym typeface="+mn-ea"/>
               </a:rPr>
-              <a:t>评估GPU算力利用率）</a:t>
-            </a:r>
-            <a:r>
-              <a:rPr lang="zh-CN" altLang="en-US" sz="2000">
-                <a:latin typeface="华文宋体" panose="02010600040101010101" charset="-122"/>
-                <a:ea typeface="华文宋体" panose="02010600040101010101" charset="-122"/>
-                <a:cs typeface="华文宋体" panose="02010600040101010101" charset="-122"/>
-                <a:sym typeface="+mn-ea"/>
-              </a:rPr>
-              <a:t>:</a:t>
-            </a:r>
-            <a:r>
-              <a:rPr lang="en-US" altLang="zh-CN" sz="2000">
-                <a:latin typeface="华文宋体" panose="02010600040101010101" charset="-122"/>
-                <a:ea typeface="华文宋体" panose="02010600040101010101" charset="-122"/>
-                <a:cs typeface="华文宋体" panose="02010600040101010101" charset="-122"/>
-                <a:sym typeface="+mn-ea"/>
-              </a:rPr>
-              <a:t> </a:t>
-            </a:r>
-            <a:r>
-              <a:rPr lang="zh-CN" altLang="en-US" sz="2000">
-                <a:latin typeface="华文宋体" panose="02010600040101010101" charset="-122"/>
-                <a:ea typeface="华文宋体" panose="02010600040101010101" charset="-122"/>
-                <a:cs typeface="华文宋体" panose="02010600040101010101" charset="-122"/>
-                <a:sym typeface="+mn-ea"/>
-              </a:rPr>
               <a:t>39.4%</a:t>
+            </a:r>
+            <a:r>
+              <a:rPr lang="en-US" altLang="zh-CN" sz="2000" baseline="30000">
+                <a:latin typeface="华文宋体" panose="02010600040101010101" charset="-122"/>
+                <a:ea typeface="华文宋体" panose="02010600040101010101" charset="-122"/>
+                <a:cs typeface="华文宋体" panose="02010600040101010101" charset="-122"/>
+                <a:sym typeface="+mn-ea"/>
+              </a:rPr>
+              <a:t>3</a:t>
             </a:r>
             <a:endParaRPr lang="zh-CN" altLang="en-US" sz="2000">
               <a:latin typeface="华文宋体" panose="02010600040101010101" charset="-122"/>
@@ -5820,6 +7487,36 @@
           </a:p>
         </p:txBody>
       </p:sp>
+      <p:pic>
+        <p:nvPicPr>
+          <p:cNvPr id="12" name="图片 11" descr="yuge"/>
+          <p:cNvPicPr>
+            <a:picLocks noChangeAspect="1"/>
+          </p:cNvPicPr>
+          <p:nvPr/>
+        </p:nvPicPr>
+        <p:blipFill>
+          <a:blip r:embed="rId1">
+            <a:extLst>
+              <a:ext uri="{96DAC541-7B7A-43D3-8B79-37D633B846F1}">
+                <asvg:svgBlip xmlns:asvg="http://schemas.microsoft.com/office/drawing/2016/SVG/main" r:embed="rId2"/>
+              </a:ext>
+            </a:extLst>
+          </a:blip>
+          <a:stretch>
+            <a:fillRect/>
+          </a:stretch>
+        </p:blipFill>
+        <p:spPr>
+          <a:xfrm>
+            <a:off x="10549890" y="5974715"/>
+            <a:ext cx="1237615" cy="634365"/>
+          </a:xfrm>
+          <a:prstGeom prst="rect">
+            <a:avLst/>
+          </a:prstGeom>
+        </p:spPr>
+      </p:pic>
     </p:spTree>
   </p:cSld>
   <p:clrMapOvr>
@@ -6124,7 +7821,7 @@
                 <a:cs typeface="华文宋体" panose="02010600040101010101" charset="-122"/>
                 <a:sym typeface="+mn-ea"/>
               </a:rPr>
-              <a:t>token</a:t>
+              <a:t>tokens</a:t>
             </a:r>
             <a:r>
               <a:rPr lang="zh-CN" altLang="en-US" sz="2000">
@@ -6213,6 +7910,36 @@
           </a:p>
         </p:txBody>
       </p:sp>
+      <p:pic>
+        <p:nvPicPr>
+          <p:cNvPr id="12" name="图片 11" descr="yuge"/>
+          <p:cNvPicPr>
+            <a:picLocks noChangeAspect="1"/>
+          </p:cNvPicPr>
+          <p:nvPr/>
+        </p:nvPicPr>
+        <p:blipFill>
+          <a:blip r:embed="rId1">
+            <a:extLst>
+              <a:ext uri="{96DAC541-7B7A-43D3-8B79-37D633B846F1}">
+                <asvg:svgBlip xmlns:asvg="http://schemas.microsoft.com/office/drawing/2016/SVG/main" r:embed="rId2"/>
+              </a:ext>
+            </a:extLst>
+          </a:blip>
+          <a:stretch>
+            <a:fillRect/>
+          </a:stretch>
+        </p:blipFill>
+        <p:spPr>
+          <a:xfrm>
+            <a:off x="10549890" y="5974715"/>
+            <a:ext cx="1237615" cy="634365"/>
+          </a:xfrm>
+          <a:prstGeom prst="rect">
+            <a:avLst/>
+          </a:prstGeom>
+        </p:spPr>
+      </p:pic>
     </p:spTree>
   </p:cSld>
   <p:clrMapOvr>
@@ -8022,7 +9749,7 @@
         </p:nvSpPr>
         <p:spPr>
           <a:xfrm>
-            <a:off x="8947785" y="5647055"/>
+            <a:off x="8947785" y="4687570"/>
             <a:ext cx="3244215" cy="1210945"/>
           </a:xfrm>
           <a:prstGeom prst="rect">
@@ -8483,44 +10210,6 @@
           </a:fontRef>
         </p:style>
       </p:cxnSp>
-      <p:cxnSp>
-        <p:nvCxnSpPr>
-          <p:cNvPr id="60" name="曲线连接符 59"/>
-          <p:cNvCxnSpPr/>
-          <p:nvPr/>
-        </p:nvCxnSpPr>
-        <p:spPr>
-          <a:xfrm rot="5400000">
-            <a:off x="6244590" y="4098290"/>
-            <a:ext cx="1347470" cy="1205865"/>
-          </a:xfrm>
-          <a:prstGeom prst="curvedConnector3">
-            <a:avLst>
-              <a:gd name="adj1" fmla="val -22832"/>
-            </a:avLst>
-          </a:prstGeom>
-          <a:ln w="28575">
-            <a:solidFill>
-              <a:srgbClr val="FF0000"/>
-            </a:solidFill>
-            <a:tailEnd type="arrow"/>
-          </a:ln>
-        </p:spPr>
-        <p:style>
-          <a:lnRef idx="2">
-            <a:schemeClr val="accent1"/>
-          </a:lnRef>
-          <a:fillRef idx="0">
-            <a:srgbClr val="FFFFFF"/>
-          </a:fillRef>
-          <a:effectRef idx="0">
-            <a:srgbClr val="FFFFFF"/>
-          </a:effectRef>
-          <a:fontRef idx="minor">
-            <a:schemeClr val="tx1"/>
-          </a:fontRef>
-        </p:style>
-      </p:cxnSp>
       <p:sp>
         <p:nvSpPr>
           <p:cNvPr id="79" name="文本框 78"/>
@@ -9203,6 +10892,74 @@
           </a:p>
         </p:txBody>
       </p:sp>
+      <p:cxnSp>
+        <p:nvCxnSpPr>
+          <p:cNvPr id="60" name="曲线连接符 59"/>
+          <p:cNvCxnSpPr/>
+          <p:nvPr/>
+        </p:nvCxnSpPr>
+        <p:spPr>
+          <a:xfrm rot="5400000">
+            <a:off x="6244590" y="4098290"/>
+            <a:ext cx="1347470" cy="1205865"/>
+          </a:xfrm>
+          <a:prstGeom prst="curvedConnector3">
+            <a:avLst>
+              <a:gd name="adj1" fmla="val -22832"/>
+            </a:avLst>
+          </a:prstGeom>
+          <a:ln w="28575">
+            <a:solidFill>
+              <a:srgbClr val="FF0000"/>
+            </a:solidFill>
+            <a:tailEnd type="arrow"/>
+          </a:ln>
+        </p:spPr>
+        <p:style>
+          <a:lnRef idx="2">
+            <a:schemeClr val="accent1"/>
+          </a:lnRef>
+          <a:fillRef idx="0">
+            <a:srgbClr val="FFFFFF"/>
+          </a:fillRef>
+          <a:effectRef idx="0">
+            <a:srgbClr val="FFFFFF"/>
+          </a:effectRef>
+          <a:fontRef idx="minor">
+            <a:schemeClr val="tx1"/>
+          </a:fontRef>
+        </p:style>
+      </p:cxnSp>
+      <p:pic>
+        <p:nvPicPr>
+          <p:cNvPr id="30" name="图片 29" descr="yuge"/>
+          <p:cNvPicPr>
+            <a:picLocks noChangeAspect="1"/>
+          </p:cNvPicPr>
+          <p:nvPr/>
+        </p:nvPicPr>
+        <p:blipFill>
+          <a:blip r:embed="rId1">
+            <a:extLst>
+              <a:ext uri="{96DAC541-7B7A-43D3-8B79-37D633B846F1}">
+                <asvg:svgBlip xmlns:asvg="http://schemas.microsoft.com/office/drawing/2016/SVG/main" r:embed="rId2"/>
+              </a:ext>
+            </a:extLst>
+          </a:blip>
+          <a:stretch>
+            <a:fillRect/>
+          </a:stretch>
+        </p:blipFill>
+        <p:spPr>
+          <a:xfrm>
+            <a:off x="10549890" y="5974715"/>
+            <a:ext cx="1237615" cy="634365"/>
+          </a:xfrm>
+          <a:prstGeom prst="rect">
+            <a:avLst/>
+          </a:prstGeom>
+        </p:spPr>
+      </p:pic>
     </p:spTree>
   </p:cSld>
   <p:clrMapOvr>
@@ -9338,7 +11095,7 @@
         <p:spPr>
           <a:xfrm>
             <a:off x="1077595" y="1492250"/>
-            <a:ext cx="9577705" cy="3723005"/>
+            <a:ext cx="9577705" cy="3353435"/>
           </a:xfrm>
           <a:prstGeom prst="rect">
             <a:avLst/>
@@ -9366,7 +11123,7 @@
                 <a:cs typeface="华文宋体" panose="02010600040101010101" charset="-122"/>
                 <a:sym typeface="+mn-ea"/>
               </a:rPr>
-              <a:t>训练一个远小于大语言模型（LLM）规模的预测模型（</a:t>
+              <a:t>训练一个远小于大语言模型（LLM）规模的预测模型</a:t>
             </a:r>
             <a:r>
               <a:rPr lang="zh-CN" altLang="en-US" sz="2400">
@@ -9380,38 +11137,10 @@
                 <a:cs typeface="华文宋体" panose="02010600040101010101" charset="-122"/>
                 <a:sym typeface="+mn-ea"/>
               </a:rPr>
-              <a:t>比如一个更小的Transfomer，并可以</a:t>
+              <a:t>（比如一个更小的Transfomer，并可以与LLM共用分词器）</a:t>
             </a:r>
             <a:r>
               <a:rPr lang="zh-CN" altLang="en-US" sz="2400">
-                <a:solidFill>
-                  <a:schemeClr val="bg2">
-                    <a:lumMod val="50000"/>
-                  </a:schemeClr>
-                </a:solidFill>
-                <a:latin typeface="华文宋体" panose="02010600040101010101" charset="-122"/>
-                <a:ea typeface="华文宋体" panose="02010600040101010101" charset="-122"/>
-                <a:cs typeface="华文宋体" panose="02010600040101010101" charset="-122"/>
-                <a:sym typeface="+mn-ea"/>
-              </a:rPr>
-              <a:t>与LLM共用分词器</a:t>
-            </a:r>
-            <a:r>
-              <a:rPr lang="zh-CN" altLang="en-US" sz="2400">
-                <a:solidFill>
-                  <a:schemeClr val="bg2">
-                    <a:lumMod val="50000"/>
-                  </a:schemeClr>
-                </a:solidFill>
-                <a:latin typeface="华文宋体" panose="02010600040101010101" charset="-122"/>
-                <a:ea typeface="华文宋体" panose="02010600040101010101" charset="-122"/>
-                <a:cs typeface="华文宋体" panose="02010600040101010101" charset="-122"/>
-                <a:sym typeface="+mn-ea"/>
-              </a:rPr>
-              <a:t>）</a:t>
-            </a:r>
-            <a:r>
-              <a:rPr lang="zh-CN" altLang="en-US" sz="2400">
                 <a:latin typeface="华文宋体" panose="02010600040101010101" charset="-122"/>
                 <a:ea typeface="华文宋体" panose="02010600040101010101" charset="-122"/>
                 <a:cs typeface="华文宋体" panose="02010600040101010101" charset="-122"/>
@@ -9426,7 +11155,16 @@
                 <a:cs typeface="华文宋体" panose="02010600040101010101" charset="-122"/>
                 <a:sym typeface="+mn-ea"/>
               </a:rPr>
-              <a:t>利用输入的问题预测输出的token数量或直接预测任务所需时间</a:t>
+              <a:t>利用输入的问题预测大</a:t>
+            </a:r>
+            <a:r>
+              <a:rPr lang="zh-CN" altLang="en-US" sz="2400" b="1" u="sng">
+                <a:latin typeface="华文宋体" panose="02010600040101010101" charset="-122"/>
+                <a:ea typeface="华文宋体" panose="02010600040101010101" charset="-122"/>
+                <a:cs typeface="华文宋体" panose="02010600040101010101" charset="-122"/>
+                <a:sym typeface="+mn-ea"/>
+              </a:rPr>
+              <a:t>语言模型输出的token数量或直接预测任务所需时间</a:t>
             </a:r>
             <a:r>
               <a:rPr lang="zh-CN" altLang="en-US" sz="2400">
@@ -9461,7 +11199,21 @@
                 <a:cs typeface="华文宋体" panose="02010600040101010101" charset="-122"/>
                 <a:sym typeface="+mn-ea"/>
               </a:rPr>
-              <a:t>任务的分配是NP的，但利用一些贪心手段（如按任务难度从大到小依次分配）</a:t>
+              <a:t>任务分配是NP的，但利用一些贪心手段</a:t>
+            </a:r>
+            <a:r>
+              <a:rPr lang="zh-CN" altLang="en-US" sz="2400">
+                <a:solidFill>
+                  <a:schemeClr val="bg2">
+                    <a:lumMod val="50000"/>
+                  </a:schemeClr>
+                </a:solidFill>
+                <a:latin typeface="华文宋体" panose="02010600040101010101" charset="-122"/>
+                <a:ea typeface="华文宋体" panose="02010600040101010101" charset="-122"/>
+                <a:cs typeface="华文宋体" panose="02010600040101010101" charset="-122"/>
+                <a:sym typeface="+mn-ea"/>
+              </a:rPr>
+              <a:t>（如按任务难度从大到小依次分配）</a:t>
             </a:r>
             <a:r>
               <a:rPr lang="zh-CN" altLang="en-US" sz="2400">
@@ -9586,16 +11338,7 @@
                 <a:cs typeface="华文宋体" panose="02010600040101010101" charset="-122"/>
                 <a:sym typeface="+mn-ea"/>
               </a:rPr>
-              <a:t>卡即可，只要能</a:t>
-            </a:r>
-            <a:r>
-              <a:rPr lang="zh-CN" altLang="en-US" sz="2400">
-                <a:latin typeface="华文宋体" panose="02010600040101010101" charset="-122"/>
-                <a:ea typeface="华文宋体" panose="02010600040101010101" charset="-122"/>
-                <a:cs typeface="华文宋体" panose="02010600040101010101" charset="-122"/>
-                <a:sym typeface="+mn-ea"/>
-              </a:rPr>
-              <a:t>起到。</a:t>
+              <a:t>卡即可。</a:t>
             </a:r>
             <a:endParaRPr lang="zh-CN" altLang="en-US" sz="2400">
               <a:latin typeface="华文宋体" panose="02010600040101010101" charset="-122"/>
@@ -9606,6 +11349,36 @@
           </a:p>
         </p:txBody>
       </p:sp>
+      <p:pic>
+        <p:nvPicPr>
+          <p:cNvPr id="12" name="图片 11" descr="yuge"/>
+          <p:cNvPicPr>
+            <a:picLocks noChangeAspect="1"/>
+          </p:cNvPicPr>
+          <p:nvPr/>
+        </p:nvPicPr>
+        <p:blipFill>
+          <a:blip r:embed="rId1">
+            <a:extLst>
+              <a:ext uri="{96DAC541-7B7A-43D3-8B79-37D633B846F1}">
+                <asvg:svgBlip xmlns:asvg="http://schemas.microsoft.com/office/drawing/2016/SVG/main" r:embed="rId2"/>
+              </a:ext>
+            </a:extLst>
+          </a:blip>
+          <a:stretch>
+            <a:fillRect/>
+          </a:stretch>
+        </p:blipFill>
+        <p:spPr>
+          <a:xfrm>
+            <a:off x="10549890" y="5974715"/>
+            <a:ext cx="1237615" cy="634365"/>
+          </a:xfrm>
+          <a:prstGeom prst="rect">
+            <a:avLst/>
+          </a:prstGeom>
+        </p:spPr>
+      </p:pic>
     </p:spTree>
   </p:cSld>
   <p:clrMapOvr>
@@ -9737,8 +11510,8 @@
         </p:nvSpPr>
         <p:spPr>
           <a:xfrm>
-            <a:off x="1572895" y="1675130"/>
-            <a:ext cx="9577705" cy="3507740"/>
+            <a:off x="1572895" y="1490980"/>
+            <a:ext cx="9577705" cy="3876675"/>
           </a:xfrm>
           <a:prstGeom prst="rect">
             <a:avLst/>
@@ -9760,7 +11533,7 @@
               <a:buNone/>
             </a:pPr>
             <a:r>
-              <a:rPr lang="zh-CN" altLang="en-US" sz="2000" b="1">
+              <a:rPr lang="zh-CN" altLang="en-US" sz="2400" b="1">
                 <a:latin typeface="华文中宋" panose="02010600040101010101" charset="-122"/>
                 <a:ea typeface="华文中宋" panose="02010600040101010101" charset="-122"/>
                 <a:cs typeface="华文中宋" panose="02010600040101010101" charset="-122"/>
@@ -9769,7 +11542,7 @@
               <a:t>思路构建：</a:t>
             </a:r>
             <a:r>
-              <a:rPr lang="zh-CN" altLang="en-US">
+              <a:rPr lang="zh-CN" altLang="en-US" sz="2000">
                 <a:latin typeface="华文中宋" panose="02010600040101010101" charset="-122"/>
                 <a:ea typeface="华文中宋" panose="02010600040101010101" charset="-122"/>
                 <a:cs typeface="华文中宋" panose="02010600040101010101" charset="-122"/>
@@ -9777,7 +11550,7 @@
               </a:rPr>
               <a:t>章壹程</a:t>
             </a:r>
-            <a:endParaRPr lang="zh-CN" altLang="en-US">
+            <a:endParaRPr lang="zh-CN" altLang="en-US" sz="2000">
               <a:latin typeface="华文中宋" panose="02010600040101010101" charset="-122"/>
               <a:ea typeface="华文中宋" panose="02010600040101010101" charset="-122"/>
               <a:cs typeface="华文中宋" panose="02010600040101010101" charset="-122"/>
@@ -9795,24 +11568,24 @@
               <a:buNone/>
             </a:pPr>
             <a:r>
+              <a:rPr lang="zh-CN" altLang="en-US" sz="2400" b="1">
+                <a:latin typeface="华文中宋" panose="02010600040101010101" charset="-122"/>
+                <a:ea typeface="华文中宋" panose="02010600040101010101" charset="-122"/>
+                <a:cs typeface="华文中宋" panose="02010600040101010101" charset="-122"/>
+                <a:sym typeface="+mn-ea"/>
+              </a:rPr>
+              <a:t>数据集收集与评测</a:t>
+            </a:r>
+            <a:r>
               <a:rPr lang="zh-CN" altLang="en-US" sz="2000" b="1">
                 <a:latin typeface="华文中宋" panose="02010600040101010101" charset="-122"/>
                 <a:ea typeface="华文中宋" panose="02010600040101010101" charset="-122"/>
                 <a:cs typeface="华文中宋" panose="02010600040101010101" charset="-122"/>
                 <a:sym typeface="+mn-ea"/>
               </a:rPr>
-              <a:t>数据集收集与评测</a:t>
-            </a:r>
-            <a:r>
-              <a:rPr lang="zh-CN" altLang="en-US" b="1">
-                <a:latin typeface="华文中宋" panose="02010600040101010101" charset="-122"/>
-                <a:ea typeface="华文中宋" panose="02010600040101010101" charset="-122"/>
-                <a:cs typeface="华文中宋" panose="02010600040101010101" charset="-122"/>
-                <a:sym typeface="+mn-ea"/>
-              </a:rPr>
               <a:t>：</a:t>
             </a:r>
-            <a:endParaRPr lang="zh-CN" altLang="en-US">
+            <a:endParaRPr lang="zh-CN" altLang="en-US" sz="2000">
               <a:latin typeface="华文中宋" panose="02010600040101010101" charset="-122"/>
               <a:ea typeface="华文中宋" panose="02010600040101010101" charset="-122"/>
               <a:cs typeface="华文中宋" panose="02010600040101010101" charset="-122"/>
@@ -9830,7 +11603,7 @@
               <a:buNone/>
             </a:pPr>
             <a:r>
-              <a:rPr lang="zh-CN" altLang="en-US">
+              <a:rPr lang="zh-CN" altLang="en-US" sz="2000">
                 <a:solidFill>
                   <a:schemeClr val="tx1"/>
                 </a:solidFill>
@@ -9839,21 +11612,9 @@
                 <a:cs typeface="华文中宋" panose="02010600040101010101" charset="-122"/>
                 <a:sym typeface="+mn-ea"/>
               </a:rPr>
-              <a:t>经典算法数据集：朱荟</a:t>
-            </a:r>
-            <a:r>
-              <a:rPr lang="zh-CN" altLang="en-US">
-                <a:solidFill>
-                  <a:schemeClr val="tx1"/>
-                </a:solidFill>
-                <a:latin typeface="华文中宋" panose="02010600040101010101" charset="-122"/>
-                <a:ea typeface="华文中宋" panose="02010600040101010101" charset="-122"/>
-                <a:cs typeface="华文中宋" panose="02010600040101010101" charset="-122"/>
-                <a:sym typeface="+mn-ea"/>
-              </a:rPr>
-              <a:t>宇</a:t>
-            </a:r>
-            <a:endParaRPr lang="zh-CN" altLang="en-US">
+              <a:t>经典算法数据集：朱荟宇</a:t>
+            </a:r>
+            <a:endParaRPr lang="zh-CN" altLang="en-US" sz="2000">
               <a:solidFill>
                 <a:schemeClr val="tx1"/>
               </a:solidFill>
@@ -9874,7 +11635,7 @@
               <a:buNone/>
             </a:pPr>
             <a:r>
-              <a:rPr lang="zh-CN" altLang="en-US">
+              <a:rPr lang="zh-CN" altLang="en-US" sz="2000">
                 <a:solidFill>
                   <a:schemeClr val="tx1"/>
                 </a:solidFill>
@@ -9883,21 +11644,9 @@
                 <a:cs typeface="华文中宋" panose="02010600040101010101" charset="-122"/>
                 <a:sym typeface="+mn-ea"/>
               </a:rPr>
-              <a:t>深度学习数据集：</a:t>
-            </a:r>
-            <a:r>
-              <a:rPr lang="zh-CN" altLang="en-US">
-                <a:solidFill>
-                  <a:schemeClr val="tx1"/>
-                </a:solidFill>
-                <a:latin typeface="华文中宋" panose="02010600040101010101" charset="-122"/>
-                <a:ea typeface="华文中宋" panose="02010600040101010101" charset="-122"/>
-                <a:cs typeface="华文中宋" panose="02010600040101010101" charset="-122"/>
-                <a:sym typeface="+mn-ea"/>
-              </a:rPr>
-              <a:t>钱俊玮</a:t>
-            </a:r>
-            <a:endParaRPr lang="zh-CN" altLang="en-US">
+              <a:t>深度学习数据集：钱俊玮</a:t>
+            </a:r>
+            <a:endParaRPr lang="zh-CN" altLang="en-US" sz="2000">
               <a:solidFill>
                 <a:schemeClr val="tx1"/>
               </a:solidFill>
@@ -9918,7 +11667,7 @@
               <a:buNone/>
             </a:pPr>
             <a:r>
-              <a:rPr lang="zh-CN" altLang="en-US">
+              <a:rPr lang="zh-CN" altLang="en-US" sz="2000">
                 <a:solidFill>
                   <a:schemeClr val="tx1"/>
                 </a:solidFill>
@@ -9927,21 +11676,9 @@
                 <a:cs typeface="华文中宋" panose="02010600040101010101" charset="-122"/>
                 <a:sym typeface="+mn-ea"/>
               </a:rPr>
-              <a:t>日常使用数据集：</a:t>
-            </a:r>
-            <a:r>
-              <a:rPr lang="zh-CN" altLang="en-US">
-                <a:solidFill>
-                  <a:schemeClr val="tx1"/>
-                </a:solidFill>
-                <a:latin typeface="华文中宋" panose="02010600040101010101" charset="-122"/>
-                <a:ea typeface="华文中宋" panose="02010600040101010101" charset="-122"/>
-                <a:cs typeface="华文中宋" panose="02010600040101010101" charset="-122"/>
-                <a:sym typeface="+mn-ea"/>
-              </a:rPr>
-              <a:t>杨宇翔</a:t>
-            </a:r>
-            <a:endParaRPr lang="zh-CN" altLang="en-US">
+              <a:t>日常使用数据集：杨宇翔</a:t>
+            </a:r>
+            <a:endParaRPr lang="zh-CN" altLang="en-US" sz="2000">
               <a:solidFill>
                 <a:schemeClr val="tx1"/>
               </a:solidFill>
@@ -9962,7 +11699,7 @@
               <a:buNone/>
             </a:pPr>
             <a:r>
-              <a:rPr lang="en-US" altLang="zh-CN">
+              <a:rPr lang="en-US" altLang="zh-CN" sz="2000">
                 <a:solidFill>
                   <a:schemeClr val="tx1"/>
                 </a:solidFill>
@@ -9974,7 +11711,7 @@
               <a:t>ACM</a:t>
             </a:r>
             <a:r>
-              <a:rPr lang="zh-CN" altLang="en-US">
+              <a:rPr lang="zh-CN" altLang="en-US" sz="2000">
                 <a:solidFill>
                   <a:schemeClr val="tx1"/>
                 </a:solidFill>
@@ -9983,21 +11720,9 @@
                 <a:cs typeface="华文中宋" panose="02010600040101010101" charset="-122"/>
                 <a:sym typeface="+mn-ea"/>
               </a:rPr>
-              <a:t>竞赛数据集：章壹程，</a:t>
-            </a:r>
-            <a:r>
-              <a:rPr lang="zh-CN" altLang="en-US">
-                <a:solidFill>
-                  <a:schemeClr val="tx1"/>
-                </a:solidFill>
-                <a:latin typeface="华文中宋" panose="02010600040101010101" charset="-122"/>
-                <a:ea typeface="华文中宋" panose="02010600040101010101" charset="-122"/>
-                <a:cs typeface="华文中宋" panose="02010600040101010101" charset="-122"/>
-                <a:sym typeface="+mn-ea"/>
-              </a:rPr>
-              <a:t>杨宇翔</a:t>
-            </a:r>
-            <a:endParaRPr lang="zh-CN" altLang="en-US">
+              <a:t>竞赛数据集：章壹程，杨宇翔</a:t>
+            </a:r>
+            <a:endParaRPr lang="zh-CN" altLang="en-US" sz="2000">
               <a:solidFill>
                 <a:schemeClr val="tx1"/>
               </a:solidFill>
@@ -10018,7 +11743,7 @@
               <a:buNone/>
             </a:pPr>
             <a:r>
-              <a:rPr lang="zh-CN" altLang="en-US" sz="2000" b="1">
+              <a:rPr lang="zh-CN" altLang="en-US" sz="2400" b="1">
                 <a:solidFill>
                   <a:schemeClr val="tx1"/>
                 </a:solidFill>
@@ -10030,7 +11755,7 @@
               <a:t>大模型成本调研调优：</a:t>
             </a:r>
             <a:r>
-              <a:rPr lang="zh-CN" altLang="en-US">
+              <a:rPr lang="zh-CN" altLang="en-US" sz="2000">
                 <a:solidFill>
                   <a:schemeClr val="tx1"/>
                 </a:solidFill>
@@ -10039,21 +11764,9 @@
                 <a:cs typeface="华文中宋" panose="02010600040101010101" charset="-122"/>
                 <a:sym typeface="+mn-ea"/>
               </a:rPr>
-              <a:t>章壹程，</a:t>
-            </a:r>
-            <a:r>
-              <a:rPr lang="zh-CN" altLang="en-US">
-                <a:solidFill>
-                  <a:schemeClr val="tx1"/>
-                </a:solidFill>
-                <a:latin typeface="华文中宋" panose="02010600040101010101" charset="-122"/>
-                <a:ea typeface="华文中宋" panose="02010600040101010101" charset="-122"/>
-                <a:cs typeface="华文中宋" panose="02010600040101010101" charset="-122"/>
-                <a:sym typeface="+mn-ea"/>
-              </a:rPr>
-              <a:t>钱俊玮</a:t>
-            </a:r>
-            <a:endParaRPr lang="zh-CN" altLang="en-US">
+              <a:t>章壹程，钱俊玮</a:t>
+            </a:r>
+            <a:endParaRPr lang="zh-CN" altLang="en-US" sz="2000">
               <a:solidFill>
                 <a:schemeClr val="tx1"/>
               </a:solidFill>
@@ -10074,7 +11787,7 @@
               <a:buNone/>
             </a:pPr>
             <a:r>
-              <a:rPr lang="en-US" altLang="zh-CN" sz="2000" b="1">
+              <a:rPr lang="en-US" altLang="zh-CN" sz="2400" b="1">
                 <a:solidFill>
                   <a:schemeClr val="tx1"/>
                 </a:solidFill>
@@ -10086,7 +11799,7 @@
               <a:t>PPT</a:t>
             </a:r>
             <a:r>
-              <a:rPr lang="zh-CN" altLang="en-US" sz="2000" b="1">
+              <a:rPr lang="zh-CN" altLang="en-US" sz="2400" b="1">
                 <a:solidFill>
                   <a:schemeClr val="tx1"/>
                 </a:solidFill>
@@ -10098,7 +11811,7 @@
               <a:t>制作与视频录制：</a:t>
             </a:r>
             <a:r>
-              <a:rPr lang="zh-CN" altLang="en-US">
+              <a:rPr lang="zh-CN" altLang="en-US" sz="2000">
                 <a:solidFill>
                   <a:schemeClr val="tx1"/>
                 </a:solidFill>
@@ -10110,7 +11823,7 @@
               <a:t>章壹程，朱荟</a:t>
             </a:r>
             <a:r>
-              <a:rPr lang="zh-CN" altLang="en-US">
+              <a:rPr lang="zh-CN" altLang="en-US" sz="2000">
                 <a:solidFill>
                   <a:schemeClr val="tx1"/>
                 </a:solidFill>
@@ -10121,7 +11834,7 @@
               </a:rPr>
               <a:t>宇</a:t>
             </a:r>
-            <a:endParaRPr lang="zh-CN" altLang="en-US">
+            <a:endParaRPr lang="zh-CN" altLang="en-US" sz="2000">
               <a:solidFill>
                 <a:schemeClr val="tx1"/>
               </a:solidFill>
@@ -10133,6 +11846,36 @@
           </a:p>
         </p:txBody>
       </p:sp>
+      <p:pic>
+        <p:nvPicPr>
+          <p:cNvPr id="12" name="图片 11" descr="yuge"/>
+          <p:cNvPicPr>
+            <a:picLocks noChangeAspect="1"/>
+          </p:cNvPicPr>
+          <p:nvPr/>
+        </p:nvPicPr>
+        <p:blipFill>
+          <a:blip r:embed="rId1">
+            <a:extLst>
+              <a:ext uri="{96DAC541-7B7A-43D3-8B79-37D633B846F1}">
+                <asvg:svgBlip xmlns:asvg="http://schemas.microsoft.com/office/drawing/2016/SVG/main" r:embed="rId2"/>
+              </a:ext>
+            </a:extLst>
+          </a:blip>
+          <a:stretch>
+            <a:fillRect/>
+          </a:stretch>
+        </p:blipFill>
+        <p:spPr>
+          <a:xfrm>
+            <a:off x="10549890" y="5974715"/>
+            <a:ext cx="1237615" cy="634365"/>
+          </a:xfrm>
+          <a:prstGeom prst="rect">
+            <a:avLst/>
+          </a:prstGeom>
+        </p:spPr>
+      </p:pic>
     </p:spTree>
   </p:cSld>
   <p:clrMapOvr>
@@ -10242,13 +11985,6 @@
               </a:rPr>
               <a:t>Github</a:t>
             </a:r>
-            <a:r>
-              <a:rPr lang="zh-CN" altLang="en-US" sz="3600">
-                <a:latin typeface="华文中宋" panose="02010600040101010101" charset="-122"/>
-                <a:ea typeface="华文中宋" panose="02010600040101010101" charset="-122"/>
-              </a:rPr>
-              <a:t>文件</a:t>
-            </a:r>
             <a:endParaRPr lang="zh-CN" altLang="en-US" sz="3600">
               <a:latin typeface="华文中宋" panose="02010600040101010101" charset="-122"/>
               <a:ea typeface="华文中宋" panose="02010600040101010101" charset="-122"/>
@@ -10438,7 +12174,7 @@
               </a:rPr>
               <a:t>推理成本：Task2相关文件</a:t>
             </a:r>
-            <a:endParaRPr lang="en-US" altLang="zh-CN" sz="2400" b="1">
+            <a:endParaRPr lang="zh-CN" altLang="en-US" sz="2400" b="1">
               <a:solidFill>
                 <a:schemeClr val="tx1"/>
               </a:solidFill>
@@ -10497,6 +12233,36 @@
           </a:p>
         </p:txBody>
       </p:sp>
+      <p:pic>
+        <p:nvPicPr>
+          <p:cNvPr id="12" name="图片 11" descr="yuge"/>
+          <p:cNvPicPr>
+            <a:picLocks noChangeAspect="1"/>
+          </p:cNvPicPr>
+          <p:nvPr/>
+        </p:nvPicPr>
+        <p:blipFill>
+          <a:blip r:embed="rId1">
+            <a:extLst>
+              <a:ext uri="{96DAC541-7B7A-43D3-8B79-37D633B846F1}">
+                <asvg:svgBlip xmlns:asvg="http://schemas.microsoft.com/office/drawing/2016/SVG/main" r:embed="rId2"/>
+              </a:ext>
+            </a:extLst>
+          </a:blip>
+          <a:stretch>
+            <a:fillRect/>
+          </a:stretch>
+        </p:blipFill>
+        <p:spPr>
+          <a:xfrm>
+            <a:off x="10549890" y="5974715"/>
+            <a:ext cx="1237615" cy="634365"/>
+          </a:xfrm>
+          <a:prstGeom prst="rect">
+            <a:avLst/>
+          </a:prstGeom>
+        </p:spPr>
+      </p:pic>
     </p:spTree>
   </p:cSld>
   <p:clrMapOvr>
@@ -11131,6 +12897,36 @@
           </a:p>
         </p:txBody>
       </p:sp>
+      <p:pic>
+        <p:nvPicPr>
+          <p:cNvPr id="12" name="图片 11" descr="yuge"/>
+          <p:cNvPicPr>
+            <a:picLocks noChangeAspect="1"/>
+          </p:cNvPicPr>
+          <p:nvPr/>
+        </p:nvPicPr>
+        <p:blipFill>
+          <a:blip r:embed="rId2">
+            <a:extLst>
+              <a:ext uri="{96DAC541-7B7A-43D3-8B79-37D633B846F1}">
+                <asvg:svgBlip xmlns:asvg="http://schemas.microsoft.com/office/drawing/2016/SVG/main" r:embed="rId3"/>
+              </a:ext>
+            </a:extLst>
+          </a:blip>
+          <a:stretch>
+            <a:fillRect/>
+          </a:stretch>
+        </p:blipFill>
+        <p:spPr>
+          <a:xfrm>
+            <a:off x="10549890" y="5974715"/>
+            <a:ext cx="1237615" cy="634365"/>
+          </a:xfrm>
+          <a:prstGeom prst="rect">
+            <a:avLst/>
+          </a:prstGeom>
+        </p:spPr>
+      </p:pic>
     </p:spTree>
   </p:cSld>
   <p:clrMapOvr>
@@ -11511,6 +13307,36 @@
           </a:p>
         </p:txBody>
       </p:sp>
+      <p:pic>
+        <p:nvPicPr>
+          <p:cNvPr id="12" name="图片 11" descr="yuge"/>
+          <p:cNvPicPr>
+            <a:picLocks noChangeAspect="1"/>
+          </p:cNvPicPr>
+          <p:nvPr/>
+        </p:nvPicPr>
+        <p:blipFill>
+          <a:blip r:embed="rId1">
+            <a:extLst>
+              <a:ext uri="{96DAC541-7B7A-43D3-8B79-37D633B846F1}">
+                <asvg:svgBlip xmlns:asvg="http://schemas.microsoft.com/office/drawing/2016/SVG/main" r:embed="rId2"/>
+              </a:ext>
+            </a:extLst>
+          </a:blip>
+          <a:stretch>
+            <a:fillRect/>
+          </a:stretch>
+        </p:blipFill>
+        <p:spPr>
+          <a:xfrm>
+            <a:off x="10549890" y="5974715"/>
+            <a:ext cx="1237615" cy="634365"/>
+          </a:xfrm>
+          <a:prstGeom prst="rect">
+            <a:avLst/>
+          </a:prstGeom>
+        </p:spPr>
+      </p:pic>
     </p:spTree>
   </p:cSld>
   <p:clrMapOvr>
@@ -11625,7 +13451,7 @@
                 <a:latin typeface="华文中宋" panose="02010600040101010101" charset="-122"/>
                 <a:ea typeface="华文中宋" panose="02010600040101010101" charset="-122"/>
               </a:rPr>
-              <a:t>原子指标</a:t>
+              <a:t>指标</a:t>
             </a:r>
             <a:endParaRPr lang="zh-CN" altLang="en-US" sz="3600">
               <a:latin typeface="Castellar" panose="020A0402060406010301" charset="0"/>
@@ -11644,7 +13470,7 @@
         <p:spPr>
           <a:xfrm>
             <a:off x="1230630" y="1625600"/>
-            <a:ext cx="9919970" cy="3261360"/>
+            <a:ext cx="10194925" cy="3261360"/>
           </a:xfrm>
           <a:prstGeom prst="rect">
             <a:avLst/>
@@ -11726,7 +13552,21 @@
                 <a:cs typeface="仿宋" panose="02010609060101010101" charset="-122"/>
                 <a:sym typeface="+mn-ea"/>
               </a:rPr>
-              <a:t> 利用评测网站可以很容易评测正确性</a:t>
+              <a:t> 利用本地编译器</a:t>
+            </a:r>
+            <a:r>
+              <a:rPr lang="zh-CN" altLang="en-US" sz="1800">
+                <a:solidFill>
+                  <a:schemeClr val="bg2">
+                    <a:lumMod val="50000"/>
+                  </a:schemeClr>
+                </a:solidFill>
+                <a:latin typeface="仿宋" panose="02010609060101010101" charset="-122"/>
+                <a:ea typeface="仿宋" panose="02010609060101010101" charset="-122"/>
+                <a:cs typeface="仿宋" panose="02010609060101010101" charset="-122"/>
+                <a:sym typeface="+mn-ea"/>
+              </a:rPr>
+              <a:t>和评测网站可以很容易评测正确性</a:t>
             </a:r>
             <a:endParaRPr lang="zh-CN" altLang="en-US" sz="1800">
               <a:solidFill>
@@ -11780,7 +13620,21 @@
                 <a:cs typeface="仿宋" panose="02010609060101010101" charset="-122"/>
                 <a:sym typeface="+mn-ea"/>
               </a:rPr>
-              <a:t>利于我们构建数据集，也对未来使用有帮助</a:t>
+              <a:t>利于我们构建数据集与</a:t>
+            </a:r>
+            <a:r>
+              <a:rPr lang="zh-CN" altLang="en-US" sz="1800">
+                <a:solidFill>
+                  <a:schemeClr val="bg2">
+                    <a:lumMod val="50000"/>
+                  </a:schemeClr>
+                </a:solidFill>
+                <a:latin typeface="仿宋" panose="02010609060101010101" charset="-122"/>
+                <a:ea typeface="仿宋" panose="02010609060101010101" charset="-122"/>
+                <a:cs typeface="仿宋" panose="02010609060101010101" charset="-122"/>
+                <a:sym typeface="+mn-ea"/>
+              </a:rPr>
+              <a:t>分析结果</a:t>
             </a:r>
             <a:endParaRPr lang="zh-CN" altLang="en-US" sz="3200">
               <a:latin typeface="华文中宋" panose="02010600040101010101" charset="-122"/>
@@ -11829,7 +13683,35 @@
                 <a:cs typeface="仿宋" panose="02010609060101010101" charset="-122"/>
                 <a:sym typeface="+mn-ea"/>
               </a:rPr>
-              <a:t>所有大模型都有相关功能，并且未来必定会成为研究重点</a:t>
+              <a:t>所有大模型都有相关功能，未来必定会成为研究重点（</a:t>
+            </a:r>
+            <a:r>
+              <a:rPr lang="en-US" altLang="zh-CN" sz="1800">
+                <a:solidFill>
+                  <a:schemeClr val="bg2">
+                    <a:lumMod val="50000"/>
+                  </a:schemeClr>
+                </a:solidFill>
+                <a:latin typeface="仿宋" panose="02010609060101010101" charset="-122"/>
+                <a:ea typeface="仿宋" panose="02010609060101010101" charset="-122"/>
+                <a:cs typeface="仿宋" panose="02010609060101010101" charset="-122"/>
+                <a:sym typeface="+mn-ea"/>
+              </a:rPr>
+              <a:t>Trae</a:t>
+            </a:r>
+            <a:r>
+              <a:rPr lang="zh-CN" altLang="en-US" sz="1800">
+                <a:solidFill>
+                  <a:schemeClr val="bg2">
+                    <a:lumMod val="50000"/>
+                  </a:schemeClr>
+                </a:solidFill>
+                <a:latin typeface="仿宋" panose="02010609060101010101" charset="-122"/>
+                <a:ea typeface="仿宋" panose="02010609060101010101" charset="-122"/>
+                <a:cs typeface="仿宋" panose="02010609060101010101" charset="-122"/>
+                <a:sym typeface="+mn-ea"/>
+              </a:rPr>
+              <a:t>）</a:t>
             </a:r>
             <a:endParaRPr lang="zh-CN" altLang="en-US" sz="1800">
               <a:solidFill>
@@ -11867,6 +13749,36 @@
           </a:p>
         </p:txBody>
       </p:sp>
+      <p:pic>
+        <p:nvPicPr>
+          <p:cNvPr id="12" name="图片 11" descr="yuge"/>
+          <p:cNvPicPr>
+            <a:picLocks noChangeAspect="1"/>
+          </p:cNvPicPr>
+          <p:nvPr/>
+        </p:nvPicPr>
+        <p:blipFill>
+          <a:blip r:embed="rId1">
+            <a:extLst>
+              <a:ext uri="{96DAC541-7B7A-43D3-8B79-37D633B846F1}">
+                <asvg:svgBlip xmlns:asvg="http://schemas.microsoft.com/office/drawing/2016/SVG/main" r:embed="rId2"/>
+              </a:ext>
+            </a:extLst>
+          </a:blip>
+          <a:stretch>
+            <a:fillRect/>
+          </a:stretch>
+        </p:blipFill>
+        <p:spPr>
+          <a:xfrm>
+            <a:off x="10549890" y="5974715"/>
+            <a:ext cx="1237615" cy="634365"/>
+          </a:xfrm>
+          <a:prstGeom prst="rect">
+            <a:avLst/>
+          </a:prstGeom>
+        </p:spPr>
+      </p:pic>
     </p:spTree>
   </p:cSld>
   <p:clrMapOvr>
@@ -11981,7 +13893,7 @@
                 <a:latin typeface="华文中宋" panose="02010600040101010101" charset="-122"/>
                 <a:ea typeface="华文中宋" panose="02010600040101010101" charset="-122"/>
               </a:rPr>
-              <a:t>原子指标</a:t>
+              <a:t>指标</a:t>
             </a:r>
             <a:endParaRPr lang="zh-CN" altLang="en-US" sz="3600">
               <a:latin typeface="Castellar" panose="020A0402060406010301" charset="0"/>
@@ -11999,8 +13911,8 @@
         </p:nvSpPr>
         <p:spPr>
           <a:xfrm>
-            <a:off x="939165" y="1875155"/>
-            <a:ext cx="9853930" cy="3907790"/>
+            <a:off x="939165" y="1136015"/>
+            <a:ext cx="9853930" cy="5077460"/>
           </a:xfrm>
           <a:prstGeom prst="rect">
             <a:avLst/>
@@ -12067,7 +13979,7 @@
                 <a:cs typeface="华文宋体" panose="02010600040101010101" charset="-122"/>
                 <a:sym typeface="+mn-ea"/>
               </a:rPr>
-              <a:t>给予了模型两次修正答案的</a:t>
+              <a:t>给予了模型两次修正答案的机会，</a:t>
             </a:r>
             <a:r>
               <a:rPr lang="zh-CN" altLang="en-US" sz="2400">
@@ -12076,7 +13988,7 @@
                 <a:cs typeface="华文宋体" panose="02010600040101010101" charset="-122"/>
                 <a:sym typeface="+mn-ea"/>
               </a:rPr>
-              <a:t>机会，为维持公平性提示词进行了统一。</a:t>
+              <a:t>同时为维持公平性提示词进行了统一。</a:t>
             </a:r>
             <a:endParaRPr lang="zh-CN" altLang="en-US" sz="2400">
               <a:latin typeface="华文宋体" panose="02010600040101010101" charset="-122"/>
@@ -12099,7 +14011,16 @@
                 <a:cs typeface="华文中宋" panose="02010600040101010101" charset="-122"/>
                 <a:sym typeface="+mn-ea"/>
               </a:rPr>
-              <a:t>选择模型</a:t>
+              <a:t>任务</a:t>
+            </a:r>
+            <a:r>
+              <a:rPr lang="zh-CN" altLang="en-US" sz="2800">
+                <a:latin typeface="华文中宋" panose="02010600040101010101" charset="-122"/>
+                <a:ea typeface="华文中宋" panose="02010600040101010101" charset="-122"/>
+                <a:cs typeface="华文中宋" panose="02010600040101010101" charset="-122"/>
+                <a:sym typeface="+mn-ea"/>
+              </a:rPr>
+              <a:t>分层</a:t>
             </a:r>
             <a:endParaRPr lang="zh-CN" altLang="en-US" sz="2800">
               <a:latin typeface="华文中宋" panose="02010600040101010101" charset="-122"/>
@@ -12122,7 +14043,80 @@
                 <a:cs typeface="华文宋体" panose="02010600040101010101" charset="-122"/>
                 <a:sym typeface="+mn-ea"/>
               </a:rPr>
-              <a:t>选择ChatGPT-o3-mini-high、DeepSeek</a:t>
+              <a:t>我们构建了四个应用场景不同且难度</a:t>
+            </a:r>
+            <a:r>
+              <a:rPr lang="zh-CN" altLang="en-US" sz="2400">
+                <a:latin typeface="华文宋体" panose="02010600040101010101" charset="-122"/>
+                <a:ea typeface="华文宋体" panose="02010600040101010101" charset="-122"/>
+                <a:cs typeface="华文宋体" panose="02010600040101010101" charset="-122"/>
+                <a:sym typeface="+mn-ea"/>
+              </a:rPr>
+              <a:t>不同的子数据集，衡量模型在不同难度任务上的能力。</a:t>
+            </a:r>
+            <a:endParaRPr lang="zh-CN" altLang="en-US" sz="2400">
+              <a:latin typeface="华文宋体" panose="02010600040101010101" charset="-122"/>
+              <a:ea typeface="华文宋体" panose="02010600040101010101" charset="-122"/>
+              <a:cs typeface="华文宋体" panose="02010600040101010101" charset="-122"/>
+              <a:sym typeface="+mn-ea"/>
+            </a:endParaRPr>
+          </a:p>
+          <a:p>
+            <a:pPr indent="0" algn="l">
+              <a:buClrTx/>
+              <a:buSzTx/>
+              <a:buFont typeface="Arial" panose="020B0604020202020204" pitchFamily="34" charset="0"/>
+              <a:buNone/>
+            </a:pPr>
+            <a:r>
+              <a:rPr lang="zh-CN" altLang="en-US" sz="2800">
+                <a:latin typeface="华文中宋" panose="02010600040101010101" charset="-122"/>
+                <a:ea typeface="华文中宋" panose="02010600040101010101" charset="-122"/>
+                <a:cs typeface="华文中宋" panose="02010600040101010101" charset="-122"/>
+                <a:sym typeface="+mn-ea"/>
+              </a:rPr>
+              <a:t>选择模型</a:t>
+            </a:r>
+            <a:endParaRPr lang="zh-CN" altLang="en-US" sz="2800">
+              <a:latin typeface="华文中宋" panose="02010600040101010101" charset="-122"/>
+              <a:ea typeface="华文中宋" panose="02010600040101010101" charset="-122"/>
+              <a:cs typeface="华文中宋" panose="02010600040101010101" charset="-122"/>
+              <a:sym typeface="+mn-ea"/>
+            </a:endParaRPr>
+          </a:p>
+          <a:p>
+            <a:pPr indent="457200" algn="l">
+              <a:buClrTx/>
+              <a:buSzTx/>
+              <a:buFont typeface="Arial" panose="020B0604020202020204" pitchFamily="34" charset="0"/>
+              <a:buNone/>
+            </a:pPr>
+            <a:r>
+              <a:rPr lang="zh-CN" altLang="en-US" sz="2400">
+                <a:latin typeface="华文宋体" panose="02010600040101010101" charset="-122"/>
+                <a:ea typeface="华文宋体" panose="02010600040101010101" charset="-122"/>
+                <a:cs typeface="华文宋体" panose="02010600040101010101" charset="-122"/>
+                <a:sym typeface="+mn-ea"/>
+              </a:rPr>
+              <a:t>选择</a:t>
+            </a:r>
+            <a:r>
+              <a:rPr lang="en-US" altLang="zh-CN" sz="2400">
+                <a:latin typeface="华文宋体" panose="02010600040101010101" charset="-122"/>
+                <a:ea typeface="华文宋体" panose="02010600040101010101" charset="-122"/>
+                <a:cs typeface="华文宋体" panose="02010600040101010101" charset="-122"/>
+                <a:sym typeface="+mn-ea"/>
+              </a:rPr>
+              <a:t> </a:t>
+            </a:r>
+            <a:r>
+              <a:rPr lang="zh-CN" altLang="en-US" sz="2400">
+                <a:latin typeface="华文宋体" panose="02010600040101010101" charset="-122"/>
+                <a:ea typeface="华文宋体" panose="02010600040101010101" charset="-122"/>
+                <a:cs typeface="华文宋体" panose="02010600040101010101" charset="-122"/>
+                <a:sym typeface="+mn-ea"/>
+              </a:rPr>
+              <a:t>ChatGPT-o3-mini-high、DeepSeek</a:t>
             </a:r>
             <a:r>
               <a:rPr lang="en-US" altLang="zh-CN" sz="2400">
@@ -12419,6 +14413,36 @@
           </a:p>
         </p:txBody>
       </p:sp>
+      <p:pic>
+        <p:nvPicPr>
+          <p:cNvPr id="12" name="图片 11" descr="yuge"/>
+          <p:cNvPicPr>
+            <a:picLocks noChangeAspect="1"/>
+          </p:cNvPicPr>
+          <p:nvPr/>
+        </p:nvPicPr>
+        <p:blipFill>
+          <a:blip r:embed="rId1">
+            <a:extLst>
+              <a:ext uri="{96DAC541-7B7A-43D3-8B79-37D633B846F1}">
+                <asvg:svgBlip xmlns:asvg="http://schemas.microsoft.com/office/drawing/2016/SVG/main" r:embed="rId2"/>
+              </a:ext>
+            </a:extLst>
+          </a:blip>
+          <a:stretch>
+            <a:fillRect/>
+          </a:stretch>
+        </p:blipFill>
+        <p:spPr>
+          <a:xfrm>
+            <a:off x="10549890" y="5974715"/>
+            <a:ext cx="1237615" cy="634365"/>
+          </a:xfrm>
+          <a:prstGeom prst="rect">
+            <a:avLst/>
+          </a:prstGeom>
+        </p:spPr>
+      </p:pic>
     </p:spTree>
   </p:cSld>
   <p:clrMapOvr>
@@ -12898,7 +14922,7 @@
                 <a:cs typeface="华文宋体" panose="02010600040101010101" charset="-122"/>
                 <a:sym typeface="+mn-ea"/>
               </a:rPr>
-              <a:t>的需要少量相关知识即可上手的代码</a:t>
+              <a:t>的需要少量相关知识且代码量</a:t>
             </a:r>
             <a:r>
               <a:rPr lang="zh-CN" altLang="en-US" sz="2400">
@@ -12907,7 +14931,7 @@
                 <a:cs typeface="华文宋体" panose="02010600040101010101" charset="-122"/>
                 <a:sym typeface="+mn-ea"/>
               </a:rPr>
-              <a:t>任务。</a:t>
+              <a:t>不高的任务。</a:t>
             </a:r>
             <a:endParaRPr lang="zh-CN" altLang="en-US" sz="2400">
               <a:latin typeface="华文中宋" panose="02010600040101010101" charset="-122"/>
@@ -13018,6 +15042,36 @@
           </a:p>
         </p:txBody>
       </p:sp>
+      <p:pic>
+        <p:nvPicPr>
+          <p:cNvPr id="12" name="图片 11" descr="yuge"/>
+          <p:cNvPicPr>
+            <a:picLocks noChangeAspect="1"/>
+          </p:cNvPicPr>
+          <p:nvPr/>
+        </p:nvPicPr>
+        <p:blipFill>
+          <a:blip r:embed="rId1">
+            <a:extLst>
+              <a:ext uri="{96DAC541-7B7A-43D3-8B79-37D633B846F1}">
+                <asvg:svgBlip xmlns:asvg="http://schemas.microsoft.com/office/drawing/2016/SVG/main" r:embed="rId2"/>
+              </a:ext>
+            </a:extLst>
+          </a:blip>
+          <a:stretch>
+            <a:fillRect/>
+          </a:stretch>
+        </p:blipFill>
+        <p:spPr>
+          <a:xfrm>
+            <a:off x="10549890" y="5974715"/>
+            <a:ext cx="1237615" cy="634365"/>
+          </a:xfrm>
+          <a:prstGeom prst="rect">
+            <a:avLst/>
+          </a:prstGeom>
+        </p:spPr>
+      </p:pic>
     </p:spTree>
   </p:cSld>
   <p:clrMapOvr>
@@ -13305,7 +15359,16 @@
                 <a:cs typeface="华文宋体" panose="02010600040101010101" charset="-122"/>
                 <a:sym typeface="+mn-ea"/>
               </a:rPr>
-              <a:t>测试大预言模型对深度学习模型的代码生成，评价辅助深度学习相关工作者完成功能性函数的</a:t>
+              <a:t>测试大预言模型对深度学习模型的代码生成，评价辅助深度学习相关工作者构建</a:t>
+            </a:r>
+            <a:r>
+              <a:rPr lang="zh-CN" altLang="en-US" sz="2400">
+                <a:latin typeface="华文宋体" panose="02010600040101010101" charset="-122"/>
+                <a:ea typeface="华文宋体" panose="02010600040101010101" charset="-122"/>
+                <a:cs typeface="华文宋体" panose="02010600040101010101" charset="-122"/>
+                <a:sym typeface="+mn-ea"/>
+              </a:rPr>
+              <a:t>组件的</a:t>
             </a:r>
             <a:r>
               <a:rPr lang="zh-CN" altLang="en-US" sz="2400">
@@ -13429,6 +15492,36 @@
           </a:p>
         </p:txBody>
       </p:sp>
+      <p:pic>
+        <p:nvPicPr>
+          <p:cNvPr id="12" name="图片 11" descr="yuge"/>
+          <p:cNvPicPr>
+            <a:picLocks noChangeAspect="1"/>
+          </p:cNvPicPr>
+          <p:nvPr/>
+        </p:nvPicPr>
+        <p:blipFill>
+          <a:blip r:embed="rId1">
+            <a:extLst>
+              <a:ext uri="{96DAC541-7B7A-43D3-8B79-37D633B846F1}">
+                <asvg:svgBlip xmlns:asvg="http://schemas.microsoft.com/office/drawing/2016/SVG/main" r:embed="rId2"/>
+              </a:ext>
+            </a:extLst>
+          </a:blip>
+          <a:stretch>
+            <a:fillRect/>
+          </a:stretch>
+        </p:blipFill>
+        <p:spPr>
+          <a:xfrm>
+            <a:off x="10549890" y="5974715"/>
+            <a:ext cx="1237615" cy="634365"/>
+          </a:xfrm>
+          <a:prstGeom prst="rect">
+            <a:avLst/>
+          </a:prstGeom>
+        </p:spPr>
+      </p:pic>
     </p:spTree>
   </p:cSld>
   <p:clrMapOvr>
@@ -13924,6 +16017,36 @@
           </a:p>
         </p:txBody>
       </p:sp>
+      <p:pic>
+        <p:nvPicPr>
+          <p:cNvPr id="12" name="图片 11" descr="yuge"/>
+          <p:cNvPicPr>
+            <a:picLocks noChangeAspect="1"/>
+          </p:cNvPicPr>
+          <p:nvPr/>
+        </p:nvPicPr>
+        <p:blipFill>
+          <a:blip r:embed="rId1">
+            <a:extLst>
+              <a:ext uri="{96DAC541-7B7A-43D3-8B79-37D633B846F1}">
+                <asvg:svgBlip xmlns:asvg="http://schemas.microsoft.com/office/drawing/2016/SVG/main" r:embed="rId2"/>
+              </a:ext>
+            </a:extLst>
+          </a:blip>
+          <a:stretch>
+            <a:fillRect/>
+          </a:stretch>
+        </p:blipFill>
+        <p:spPr>
+          <a:xfrm>
+            <a:off x="10549890" y="5974715"/>
+            <a:ext cx="1237615" cy="634365"/>
+          </a:xfrm>
+          <a:prstGeom prst="rect">
+            <a:avLst/>
+          </a:prstGeom>
+        </p:spPr>
+      </p:pic>
     </p:spTree>
   </p:cSld>
   <p:clrMapOvr>
@@ -14713,6 +16836,36 @@
           </a:p>
         </p:txBody>
       </p:sp>
+      <p:pic>
+        <p:nvPicPr>
+          <p:cNvPr id="12" name="图片 11" descr="yuge"/>
+          <p:cNvPicPr>
+            <a:picLocks noChangeAspect="1"/>
+          </p:cNvPicPr>
+          <p:nvPr/>
+        </p:nvPicPr>
+        <p:blipFill>
+          <a:blip r:embed="rId1">
+            <a:extLst>
+              <a:ext uri="{96DAC541-7B7A-43D3-8B79-37D633B846F1}">
+                <asvg:svgBlip xmlns:asvg="http://schemas.microsoft.com/office/drawing/2016/SVG/main" r:embed="rId2"/>
+              </a:ext>
+            </a:extLst>
+          </a:blip>
+          <a:stretch>
+            <a:fillRect/>
+          </a:stretch>
+        </p:blipFill>
+        <p:spPr>
+          <a:xfrm>
+            <a:off x="10549890" y="5974715"/>
+            <a:ext cx="1237615" cy="634365"/>
+          </a:xfrm>
+          <a:prstGeom prst="rect">
+            <a:avLst/>
+          </a:prstGeom>
+        </p:spPr>
+      </p:pic>
     </p:spTree>
   </p:cSld>
   <p:clrMapOvr>
@@ -15262,6 +17415,36 @@
           </a:p>
         </p:txBody>
       </p:sp>
+      <p:pic>
+        <p:nvPicPr>
+          <p:cNvPr id="12" name="图片 11" descr="yuge"/>
+          <p:cNvPicPr>
+            <a:picLocks noChangeAspect="1"/>
+          </p:cNvPicPr>
+          <p:nvPr/>
+        </p:nvPicPr>
+        <p:blipFill>
+          <a:blip r:embed="rId1">
+            <a:extLst>
+              <a:ext uri="{96DAC541-7B7A-43D3-8B79-37D633B846F1}">
+                <asvg:svgBlip xmlns:asvg="http://schemas.microsoft.com/office/drawing/2016/SVG/main" r:embed="rId2"/>
+              </a:ext>
+            </a:extLst>
+          </a:blip>
+          <a:stretch>
+            <a:fillRect/>
+          </a:stretch>
+        </p:blipFill>
+        <p:spPr>
+          <a:xfrm>
+            <a:off x="10549890" y="5974715"/>
+            <a:ext cx="1237615" cy="634365"/>
+          </a:xfrm>
+          <a:prstGeom prst="rect">
+            <a:avLst/>
+          </a:prstGeom>
+        </p:spPr>
+      </p:pic>
     </p:spTree>
   </p:cSld>
   <p:clrMapOvr>
